--- a/doc/tex/sdf/tq_76558_cow_protocol/figures_raw/Bob.pptx
+++ b/doc/tex/sdf/tq_76558_cow_protocol/figures_raw/Bob.pptx
@@ -6,6 +6,7 @@
   </p:sldMasterIdLst>
   <p:sldIdLst>
     <p:sldId id="256" r:id="rId2"/>
+    <p:sldId id="257" r:id="rId3"/>
   </p:sldIdLst>
   <p:sldSz cx="12192000" cy="6858000"/>
   <p:notesSz cx="6858000" cy="9144000"/>
@@ -104,6 +105,11 @@
       </a:defRPr>
     </a:lvl9pPr>
   </p:defaultTextStyle>
+  <p:extLst>
+    <p:ext uri="{EFAFB233-063F-42B5-8137-9DF3F51BA10A}">
+      <p15:sldGuideLst xmlns:p15="http://schemas.microsoft.com/office/powerpoint/2012/main"/>
+    </p:ext>
+  </p:extLst>
 </p:presentation>
 </file>
 
@@ -256,7 +262,7 @@
           <a:p>
             <a:fld id="{4B3AA8C6-FF6F-4F8F-942E-89BFB6A8B502}" type="datetimeFigureOut">
               <a:rPr lang="en-GB" smtClean="0"/>
-              <a:t>03/10/2018</a:t>
+              <a:t>06/10/2018</a:t>
             </a:fld>
             <a:endParaRPr lang="en-GB"/>
           </a:p>
@@ -456,7 +462,7 @@
           <a:p>
             <a:fld id="{4B3AA8C6-FF6F-4F8F-942E-89BFB6A8B502}" type="datetimeFigureOut">
               <a:rPr lang="en-GB" smtClean="0"/>
-              <a:t>03/10/2018</a:t>
+              <a:t>06/10/2018</a:t>
             </a:fld>
             <a:endParaRPr lang="en-GB"/>
           </a:p>
@@ -666,7 +672,7 @@
           <a:p>
             <a:fld id="{4B3AA8C6-FF6F-4F8F-942E-89BFB6A8B502}" type="datetimeFigureOut">
               <a:rPr lang="en-GB" smtClean="0"/>
-              <a:t>03/10/2018</a:t>
+              <a:t>06/10/2018</a:t>
             </a:fld>
             <a:endParaRPr lang="en-GB"/>
           </a:p>
@@ -866,7 +872,7 @@
           <a:p>
             <a:fld id="{4B3AA8C6-FF6F-4F8F-942E-89BFB6A8B502}" type="datetimeFigureOut">
               <a:rPr lang="en-GB" smtClean="0"/>
-              <a:t>03/10/2018</a:t>
+              <a:t>06/10/2018</a:t>
             </a:fld>
             <a:endParaRPr lang="en-GB"/>
           </a:p>
@@ -1142,7 +1148,7 @@
           <a:p>
             <a:fld id="{4B3AA8C6-FF6F-4F8F-942E-89BFB6A8B502}" type="datetimeFigureOut">
               <a:rPr lang="en-GB" smtClean="0"/>
-              <a:t>03/10/2018</a:t>
+              <a:t>06/10/2018</a:t>
             </a:fld>
             <a:endParaRPr lang="en-GB"/>
           </a:p>
@@ -1410,7 +1416,7 @@
           <a:p>
             <a:fld id="{4B3AA8C6-FF6F-4F8F-942E-89BFB6A8B502}" type="datetimeFigureOut">
               <a:rPr lang="en-GB" smtClean="0"/>
-              <a:t>03/10/2018</a:t>
+              <a:t>06/10/2018</a:t>
             </a:fld>
             <a:endParaRPr lang="en-GB"/>
           </a:p>
@@ -1825,7 +1831,7 @@
           <a:p>
             <a:fld id="{4B3AA8C6-FF6F-4F8F-942E-89BFB6A8B502}" type="datetimeFigureOut">
               <a:rPr lang="en-GB" smtClean="0"/>
-              <a:t>03/10/2018</a:t>
+              <a:t>06/10/2018</a:t>
             </a:fld>
             <a:endParaRPr lang="en-GB"/>
           </a:p>
@@ -1967,7 +1973,7 @@
           <a:p>
             <a:fld id="{4B3AA8C6-FF6F-4F8F-942E-89BFB6A8B502}" type="datetimeFigureOut">
               <a:rPr lang="en-GB" smtClean="0"/>
-              <a:t>03/10/2018</a:t>
+              <a:t>06/10/2018</a:t>
             </a:fld>
             <a:endParaRPr lang="en-GB"/>
           </a:p>
@@ -2080,7 +2086,7 @@
           <a:p>
             <a:fld id="{4B3AA8C6-FF6F-4F8F-942E-89BFB6A8B502}" type="datetimeFigureOut">
               <a:rPr lang="en-GB" smtClean="0"/>
-              <a:t>03/10/2018</a:t>
+              <a:t>06/10/2018</a:t>
             </a:fld>
             <a:endParaRPr lang="en-GB"/>
           </a:p>
@@ -2393,7 +2399,7 @@
           <a:p>
             <a:fld id="{4B3AA8C6-FF6F-4F8F-942E-89BFB6A8B502}" type="datetimeFigureOut">
               <a:rPr lang="en-GB" smtClean="0"/>
-              <a:t>03/10/2018</a:t>
+              <a:t>06/10/2018</a:t>
             </a:fld>
             <a:endParaRPr lang="en-GB"/>
           </a:p>
@@ -2682,7 +2688,7 @@
           <a:p>
             <a:fld id="{4B3AA8C6-FF6F-4F8F-942E-89BFB6A8B502}" type="datetimeFigureOut">
               <a:rPr lang="en-GB" smtClean="0"/>
-              <a:t>03/10/2018</a:t>
+              <a:t>06/10/2018</a:t>
             </a:fld>
             <a:endParaRPr lang="en-GB"/>
           </a:p>
@@ -2925,7 +2931,7 @@
           <a:p>
             <a:fld id="{4B3AA8C6-FF6F-4F8F-942E-89BFB6A8B502}" type="datetimeFigureOut">
               <a:rPr lang="en-GB" smtClean="0"/>
-              <a:t>03/10/2018</a:t>
+              <a:t>06/10/2018</a:t>
             </a:fld>
             <a:endParaRPr lang="en-GB"/>
           </a:p>
@@ -3342,8 +3348,8 @@
           <a:chExt cx="0" cy="0"/>
         </a:xfrm>
       </p:grpSpPr>
-      <mc:AlternateContent xmlns:mc="http://schemas.openxmlformats.org/markup-compatibility/2006">
-        <mc:Choice xmlns:am3d="http://schemas.microsoft.com/office/drawing/2017/model3d" Requires="am3d">
+      <mc:AlternateContent xmlns:mc="http://schemas.openxmlformats.org/markup-compatibility/2006" xmlns:am3d="http://schemas.microsoft.com/office/drawing/2017/model3d">
+        <mc:Choice Requires="am3d">
           <p:graphicFrame>
             <p:nvGraphicFramePr>
               <p:cNvPr id="9" name="Modelo 3D 8" descr="Hemisfério Cinza-Escuro">
@@ -3433,7 +3439,7 @@
             </a:graphic>
           </p:graphicFrame>
         </mc:Choice>
-        <mc:Fallback>
+        <mc:Fallback xmlns="">
           <p:pic>
             <p:nvPicPr>
               <p:cNvPr id="9" name="Modelo 3D 8" descr="Hemisfério Cinza-Escuro">
@@ -3449,7 +3455,7 @@
               <p:nvPr/>
             </p:nvPicPr>
             <p:blipFill>
-              <a:blip r:embed="rId3"/>
+              <a:blip r:embed="rId4"/>
               <a:stretch>
                 <a:fillRect/>
               </a:stretch>
@@ -3466,8 +3472,8 @@
           </p:pic>
         </mc:Fallback>
       </mc:AlternateContent>
-      <mc:AlternateContent xmlns:mc="http://schemas.openxmlformats.org/markup-compatibility/2006">
-        <mc:Choice xmlns:am3d="http://schemas.microsoft.com/office/drawing/2017/model3d" Requires="am3d">
+      <mc:AlternateContent xmlns:mc="http://schemas.openxmlformats.org/markup-compatibility/2006" xmlns:am3d="http://schemas.microsoft.com/office/drawing/2017/model3d">
+        <mc:Choice Requires="am3d">
           <p:graphicFrame>
             <p:nvGraphicFramePr>
               <p:cNvPr id="8" name="Modelo 3D 7" descr="Hemisfério Cinza-Escuro">
@@ -3522,7 +3528,7 @@
                     <am3d:postTrans dx="0" dy="0" dz="0"/>
                   </am3d:trans>
                   <am3d:raster rName="Office3DRenderer" rVer="16.0.8326">
-                    <am3d:blip r:embed="rId3"/>
+                    <am3d:blip r:embed="rId4"/>
                   </am3d:raster>
                   <am3d:objViewport viewportSz="3611788"/>
                   <am3d:ambientLight>
@@ -3557,7 +3563,7 @@
             </a:graphic>
           </p:graphicFrame>
         </mc:Choice>
-        <mc:Fallback>
+        <mc:Fallback xmlns="">
           <p:pic>
             <p:nvPicPr>
               <p:cNvPr id="8" name="Modelo 3D 7" descr="Hemisfério Cinza-Escuro">
@@ -3573,7 +3579,7 @@
               <p:nvPr/>
             </p:nvPicPr>
             <p:blipFill>
-              <a:blip r:embed="rId3"/>
+              <a:blip r:embed="rId4"/>
               <a:stretch>
                 <a:fillRect/>
               </a:stretch>
@@ -4051,8 +4057,8 @@
           </a:p>
         </p:txBody>
       </p:sp>
-      <mc:AlternateContent xmlns:mc="http://schemas.openxmlformats.org/markup-compatibility/2006">
-        <mc:Choice xmlns:am3d="http://schemas.microsoft.com/office/drawing/2017/model3d" Requires="am3d">
+      <mc:AlternateContent xmlns:mc="http://schemas.openxmlformats.org/markup-compatibility/2006" xmlns:am3d="http://schemas.microsoft.com/office/drawing/2017/model3d">
+        <mc:Choice Requires="am3d">
           <p:graphicFrame>
             <p:nvGraphicFramePr>
               <p:cNvPr id="7" name="Modelo 3D 6" descr="Beam">
@@ -4079,7 +4085,7 @@
             </p:xfrm>
             <a:graphic>
               <a:graphicData uri="http://schemas.microsoft.com/office/drawing/2017/model3d">
-                <am3d:model3d r:embed="rId4">
+                <am3d:model3d r:embed="rId5">
                   <am3d:spPr>
                     <a:xfrm>
                       <a:off x="0" y="0"/>
@@ -4107,7 +4113,7 @@
                     <am3d:postTrans dx="0" dy="0" dz="0"/>
                   </am3d:trans>
                   <am3d:raster rName="Office3DRenderer" rVer="16.0.8326">
-                    <am3d:blip r:embed="rId5"/>
+                    <am3d:blip r:embed="rId6"/>
                   </am3d:raster>
                   <am3d:objViewport viewportSz="3455743"/>
                   <am3d:ambientLight>
@@ -4142,7 +4148,7 @@
             </a:graphic>
           </p:graphicFrame>
         </mc:Choice>
-        <mc:Fallback>
+        <mc:Fallback xmlns="">
           <p:pic>
             <p:nvPicPr>
               <p:cNvPr id="7" name="Modelo 3D 6" descr="Beam">
@@ -4158,7 +4164,7 @@
               <p:nvPr/>
             </p:nvPicPr>
             <p:blipFill>
-              <a:blip r:embed="rId5"/>
+              <a:blip r:embed="rId7"/>
               <a:stretch>
                 <a:fillRect/>
               </a:stretch>
@@ -4175,10 +4181,1088 @@
           </p:pic>
         </mc:Fallback>
       </mc:AlternateContent>
+      <p:sp>
+        <p:nvSpPr>
+          <p:cNvPr id="16" name="CaixaDeTexto 15">
+            <a:extLst>
+              <a:ext uri="{FF2B5EF4-FFF2-40B4-BE49-F238E27FC236}">
+                <a16:creationId xmlns:a16="http://schemas.microsoft.com/office/drawing/2014/main" id="{F09C9B82-AAD8-4ED2-BE81-7DBC95ACA61D}"/>
+              </a:ext>
+            </a:extLst>
+          </p:cNvPr>
+          <p:cNvSpPr txBox="1"/>
+          <p:nvPr/>
+        </p:nvSpPr>
+        <p:spPr>
+          <a:xfrm>
+            <a:off x="49650" y="25500"/>
+            <a:ext cx="3642407" cy="707886"/>
+          </a:xfrm>
+          <a:prstGeom prst="rect">
+            <a:avLst/>
+          </a:prstGeom>
+          <a:noFill/>
+        </p:spPr>
+        <p:txBody>
+          <a:bodyPr wrap="none" rtlCol="0">
+            <a:spAutoFit/>
+          </a:bodyPr>
+          <a:lstStyle/>
+          <a:p>
+            <a:r>
+              <a:rPr lang="en-GB" sz="4000" b="1" dirty="0"/>
+              <a:t>Bob’s Apparatus</a:t>
+            </a:r>
+            <a:endParaRPr lang="en-GB" sz="4000" b="1" baseline="-25000" dirty="0"/>
+          </a:p>
+        </p:txBody>
+      </p:sp>
+      <p:sp>
+        <p:nvSpPr>
+          <p:cNvPr id="22" name="CaixaDeTexto 21">
+            <a:extLst>
+              <a:ext uri="{FF2B5EF4-FFF2-40B4-BE49-F238E27FC236}">
+                <a16:creationId xmlns:a16="http://schemas.microsoft.com/office/drawing/2014/main" id="{1A279653-7C21-4CC7-9CBD-7578234E7B14}"/>
+              </a:ext>
+            </a:extLst>
+          </p:cNvPr>
+          <p:cNvSpPr txBox="1"/>
+          <p:nvPr/>
+        </p:nvSpPr>
+        <p:spPr>
+          <a:xfrm>
+            <a:off x="4305926" y="3578018"/>
+            <a:ext cx="720069" cy="461665"/>
+          </a:xfrm>
+          <a:prstGeom prst="rect">
+            <a:avLst/>
+          </a:prstGeom>
+          <a:noFill/>
+        </p:spPr>
+        <p:txBody>
+          <a:bodyPr wrap="none" rtlCol="0">
+            <a:spAutoFit/>
+          </a:bodyPr>
+          <a:lstStyle/>
+          <a:p>
+            <a:r>
+              <a:rPr lang="en-GB" sz="2400" b="1" dirty="0"/>
+              <a:t>10%</a:t>
+            </a:r>
+          </a:p>
+        </p:txBody>
+      </p:sp>
+      <p:sp>
+        <p:nvSpPr>
+          <p:cNvPr id="24" name="CaixaDeTexto 23">
+            <a:extLst>
+              <a:ext uri="{FF2B5EF4-FFF2-40B4-BE49-F238E27FC236}">
+                <a16:creationId xmlns:a16="http://schemas.microsoft.com/office/drawing/2014/main" id="{65031747-2074-4596-ADF1-1281F61565DE}"/>
+              </a:ext>
+            </a:extLst>
+          </p:cNvPr>
+          <p:cNvSpPr txBox="1"/>
+          <p:nvPr/>
+        </p:nvSpPr>
+        <p:spPr>
+          <a:xfrm>
+            <a:off x="3879864" y="1473783"/>
+            <a:ext cx="720069" cy="461665"/>
+          </a:xfrm>
+          <a:prstGeom prst="rect">
+            <a:avLst/>
+          </a:prstGeom>
+          <a:noFill/>
+        </p:spPr>
+        <p:txBody>
+          <a:bodyPr wrap="none" rtlCol="0">
+            <a:spAutoFit/>
+          </a:bodyPr>
+          <a:lstStyle/>
+          <a:p>
+            <a:r>
+              <a:rPr lang="en-GB" sz="2400" b="1" dirty="0"/>
+              <a:t>90%</a:t>
+            </a:r>
+          </a:p>
+        </p:txBody>
+      </p:sp>
     </p:spTree>
     <p:extLst>
       <p:ext uri="{BB962C8B-B14F-4D97-AF65-F5344CB8AC3E}">
         <p14:creationId xmlns:p14="http://schemas.microsoft.com/office/powerpoint/2010/main" val="1665577511"/>
+      </p:ext>
+    </p:extLst>
+  </p:cSld>
+  <p:clrMapOvr>
+    <a:masterClrMapping/>
+  </p:clrMapOvr>
+</p:sld>
+</file>
+
+<file path=ppt/slides/slide2.xml><?xml version="1.0" encoding="utf-8"?>
+<p:sld xmlns:a="http://schemas.openxmlformats.org/drawingml/2006/main" xmlns:r="http://schemas.openxmlformats.org/officeDocument/2006/relationships" xmlns:p="http://schemas.openxmlformats.org/presentationml/2006/main">
+  <p:cSld>
+    <p:spTree>
+      <p:nvGrpSpPr>
+        <p:cNvPr id="1" name=""/>
+        <p:cNvGrpSpPr/>
+        <p:nvPr/>
+      </p:nvGrpSpPr>
+      <p:grpSpPr>
+        <a:xfrm>
+          <a:off x="0" y="0"/>
+          <a:ext cx="0" cy="0"/>
+          <a:chOff x="0" y="0"/>
+          <a:chExt cx="0" cy="0"/>
+        </a:xfrm>
+      </p:grpSpPr>
+      <p:sp>
+        <p:nvSpPr>
+          <p:cNvPr id="27" name="Retângulo 26">
+            <a:extLst>
+              <a:ext uri="{FF2B5EF4-FFF2-40B4-BE49-F238E27FC236}">
+                <a16:creationId xmlns:a16="http://schemas.microsoft.com/office/drawing/2014/main" id="{10855063-FB85-4605-A7C1-AA6CB8EEC786}"/>
+              </a:ext>
+            </a:extLst>
+          </p:cNvPr>
+          <p:cNvSpPr/>
+          <p:nvPr/>
+        </p:nvSpPr>
+        <p:spPr>
+          <a:xfrm>
+            <a:off x="870635" y="2794476"/>
+            <a:ext cx="7025679" cy="3059394"/>
+          </a:xfrm>
+          <a:prstGeom prst="rect">
+            <a:avLst/>
+          </a:prstGeom>
+          <a:solidFill>
+            <a:schemeClr val="dk1">
+              <a:alpha val="50000"/>
+            </a:schemeClr>
+          </a:solidFill>
+          <a:ln>
+            <a:noFill/>
+          </a:ln>
+        </p:spPr>
+        <p:style>
+          <a:lnRef idx="0">
+            <a:scrgbClr r="0" g="0" b="0"/>
+          </a:lnRef>
+          <a:fillRef idx="0">
+            <a:scrgbClr r="0" g="0" b="0"/>
+          </a:fillRef>
+          <a:effectRef idx="0">
+            <a:scrgbClr r="0" g="0" b="0"/>
+          </a:effectRef>
+          <a:fontRef idx="minor">
+            <a:schemeClr val="lt1"/>
+          </a:fontRef>
+        </p:style>
+        <p:txBody>
+          <a:bodyPr rtlCol="0" anchor="ctr"/>
+          <a:lstStyle/>
+          <a:p>
+            <a:pPr algn="ctr"/>
+            <a:endParaRPr lang="en-GB" dirty="0"/>
+          </a:p>
+        </p:txBody>
+      </p:sp>
+      <p:sp>
+        <p:nvSpPr>
+          <p:cNvPr id="19" name="CaixaDeTexto 18">
+            <a:extLst>
+              <a:ext uri="{FF2B5EF4-FFF2-40B4-BE49-F238E27FC236}">
+                <a16:creationId xmlns:a16="http://schemas.microsoft.com/office/drawing/2014/main" id="{5CDDC7F4-AD77-4527-B346-621745C88054}"/>
+              </a:ext>
+            </a:extLst>
+          </p:cNvPr>
+          <p:cNvSpPr txBox="1"/>
+          <p:nvPr/>
+        </p:nvSpPr>
+        <p:spPr>
+          <a:xfrm>
+            <a:off x="870635" y="2794475"/>
+            <a:ext cx="2861104" cy="584775"/>
+          </a:xfrm>
+          <a:prstGeom prst="rect">
+            <a:avLst/>
+          </a:prstGeom>
+          <a:noFill/>
+        </p:spPr>
+        <p:txBody>
+          <a:bodyPr wrap="none" rtlCol="0">
+            <a:spAutoFit/>
+          </a:bodyPr>
+          <a:lstStyle/>
+          <a:p>
+            <a:r>
+              <a:rPr lang="en-GB" sz="3200" b="1" dirty="0"/>
+              <a:t>Eve’s Apparatus</a:t>
+            </a:r>
+          </a:p>
+        </p:txBody>
+      </p:sp>
+      <p:sp>
+        <p:nvSpPr>
+          <p:cNvPr id="23" name="CaixaDeTexto 22">
+            <a:extLst>
+              <a:ext uri="{FF2B5EF4-FFF2-40B4-BE49-F238E27FC236}">
+                <a16:creationId xmlns:a16="http://schemas.microsoft.com/office/drawing/2014/main" id="{C1A4275B-C5D6-48B3-9919-735C4C92EC54}"/>
+              </a:ext>
+            </a:extLst>
+          </p:cNvPr>
+          <p:cNvSpPr txBox="1"/>
+          <p:nvPr/>
+        </p:nvSpPr>
+        <p:spPr>
+          <a:xfrm>
+            <a:off x="9145222" y="4751805"/>
+            <a:ext cx="2946063" cy="584775"/>
+          </a:xfrm>
+          <a:prstGeom prst="rect">
+            <a:avLst/>
+          </a:prstGeom>
+          <a:noFill/>
+        </p:spPr>
+        <p:txBody>
+          <a:bodyPr wrap="none" rtlCol="0">
+            <a:spAutoFit/>
+          </a:bodyPr>
+          <a:lstStyle/>
+          <a:p>
+            <a:r>
+              <a:rPr lang="en-GB" sz="3200" b="1" dirty="0"/>
+              <a:t>Bob’s Apparatus</a:t>
+            </a:r>
+            <a:endParaRPr lang="en-GB" sz="3200" b="1" baseline="-25000" dirty="0"/>
+          </a:p>
+        </p:txBody>
+      </p:sp>
+      <p:sp>
+        <p:nvSpPr>
+          <p:cNvPr id="29" name="Arco 28">
+            <a:extLst>
+              <a:ext uri="{FF2B5EF4-FFF2-40B4-BE49-F238E27FC236}">
+                <a16:creationId xmlns:a16="http://schemas.microsoft.com/office/drawing/2014/main" id="{4A3D392B-7738-45F4-8708-760F905462F9}"/>
+              </a:ext>
+            </a:extLst>
+          </p:cNvPr>
+          <p:cNvSpPr/>
+          <p:nvPr/>
+        </p:nvSpPr>
+        <p:spPr>
+          <a:xfrm rot="6985113">
+            <a:off x="2095908" y="839705"/>
+            <a:ext cx="4746140" cy="4641931"/>
+          </a:xfrm>
+          <a:prstGeom prst="arc">
+            <a:avLst>
+              <a:gd name="adj1" fmla="val 15029454"/>
+              <a:gd name="adj2" fmla="val 0"/>
+            </a:avLst>
+          </a:prstGeom>
+          <a:ln w="76200">
+            <a:solidFill>
+              <a:srgbClr val="FF0000"/>
+            </a:solidFill>
+          </a:ln>
+        </p:spPr>
+        <p:style>
+          <a:lnRef idx="1">
+            <a:schemeClr val="accent1"/>
+          </a:lnRef>
+          <a:fillRef idx="0">
+            <a:schemeClr val="accent1"/>
+          </a:fillRef>
+          <a:effectRef idx="0">
+            <a:schemeClr val="accent1"/>
+          </a:effectRef>
+          <a:fontRef idx="minor">
+            <a:schemeClr val="tx1"/>
+          </a:fontRef>
+        </p:style>
+        <p:txBody>
+          <a:bodyPr rtlCol="0" anchor="ctr"/>
+          <a:lstStyle/>
+          <a:p>
+            <a:pPr algn="ctr"/>
+            <a:endParaRPr lang="en-GB"/>
+          </a:p>
+        </p:txBody>
+      </p:sp>
+      <p:sp>
+        <p:nvSpPr>
+          <p:cNvPr id="28" name="Arco 27">
+            <a:extLst>
+              <a:ext uri="{FF2B5EF4-FFF2-40B4-BE49-F238E27FC236}">
+                <a16:creationId xmlns:a16="http://schemas.microsoft.com/office/drawing/2014/main" id="{11EC1C13-0F3E-462C-838B-A571F3D6A30C}"/>
+              </a:ext>
+            </a:extLst>
+          </p:cNvPr>
+          <p:cNvSpPr/>
+          <p:nvPr/>
+        </p:nvSpPr>
+        <p:spPr>
+          <a:xfrm rot="10800000">
+            <a:off x="6569712" y="1788490"/>
+            <a:ext cx="5281670" cy="3509286"/>
+          </a:xfrm>
+          <a:prstGeom prst="arc">
+            <a:avLst>
+              <a:gd name="adj1" fmla="val 16530333"/>
+              <a:gd name="adj2" fmla="val 0"/>
+            </a:avLst>
+          </a:prstGeom>
+          <a:ln w="76200">
+            <a:solidFill>
+              <a:srgbClr val="FF0000"/>
+            </a:solidFill>
+          </a:ln>
+        </p:spPr>
+        <p:style>
+          <a:lnRef idx="1">
+            <a:schemeClr val="accent1"/>
+          </a:lnRef>
+          <a:fillRef idx="0">
+            <a:schemeClr val="accent1"/>
+          </a:fillRef>
+          <a:effectRef idx="0">
+            <a:schemeClr val="accent1"/>
+          </a:effectRef>
+          <a:fontRef idx="minor">
+            <a:schemeClr val="tx1"/>
+          </a:fontRef>
+        </p:style>
+        <p:txBody>
+          <a:bodyPr rtlCol="0" anchor="ctr"/>
+          <a:lstStyle/>
+          <a:p>
+            <a:pPr algn="ctr"/>
+            <a:endParaRPr lang="en-GB"/>
+          </a:p>
+        </p:txBody>
+      </p:sp>
+      <p:sp>
+        <p:nvSpPr>
+          <p:cNvPr id="22" name="CaixaDeTexto 21">
+            <a:extLst>
+              <a:ext uri="{FF2B5EF4-FFF2-40B4-BE49-F238E27FC236}">
+                <a16:creationId xmlns:a16="http://schemas.microsoft.com/office/drawing/2014/main" id="{4BEB1DE5-8DD9-4DB8-B92B-4779C559B3F2}"/>
+              </a:ext>
+            </a:extLst>
+          </p:cNvPr>
+          <p:cNvSpPr txBox="1"/>
+          <p:nvPr/>
+        </p:nvSpPr>
+        <p:spPr>
+          <a:xfrm>
+            <a:off x="93504" y="1705452"/>
+            <a:ext cx="3103157" cy="584775"/>
+          </a:xfrm>
+          <a:prstGeom prst="rect">
+            <a:avLst/>
+          </a:prstGeom>
+          <a:noFill/>
+        </p:spPr>
+        <p:txBody>
+          <a:bodyPr wrap="none" rtlCol="0">
+            <a:spAutoFit/>
+          </a:bodyPr>
+          <a:lstStyle/>
+          <a:p>
+            <a:r>
+              <a:rPr lang="en-GB" sz="3200" b="1" dirty="0"/>
+              <a:t>Alice’s Apparatus</a:t>
+            </a:r>
+          </a:p>
+        </p:txBody>
+      </p:sp>
+      <p:cxnSp>
+        <p:nvCxnSpPr>
+          <p:cNvPr id="25" name="Conexão reta 24">
+            <a:extLst>
+              <a:ext uri="{FF2B5EF4-FFF2-40B4-BE49-F238E27FC236}">
+                <a16:creationId xmlns:a16="http://schemas.microsoft.com/office/drawing/2014/main" id="{BEBA948E-307F-4D29-8205-715CE2873EB5}"/>
+              </a:ext>
+            </a:extLst>
+          </p:cNvPr>
+          <p:cNvCxnSpPr>
+            <a:cxnSpLocks/>
+          </p:cNvCxnSpPr>
+          <p:nvPr/>
+        </p:nvCxnSpPr>
+        <p:spPr>
+          <a:xfrm>
+            <a:off x="1989356" y="940037"/>
+            <a:ext cx="7949403" cy="4913832"/>
+          </a:xfrm>
+          <a:prstGeom prst="line">
+            <a:avLst/>
+          </a:prstGeom>
+          <a:ln w="76200">
+            <a:solidFill>
+              <a:schemeClr val="accent4"/>
+            </a:solidFill>
+          </a:ln>
+        </p:spPr>
+        <p:style>
+          <a:lnRef idx="1">
+            <a:schemeClr val="accent1"/>
+          </a:lnRef>
+          <a:fillRef idx="0">
+            <a:schemeClr val="accent1"/>
+          </a:fillRef>
+          <a:effectRef idx="0">
+            <a:schemeClr val="accent1"/>
+          </a:effectRef>
+          <a:fontRef idx="minor">
+            <a:schemeClr val="tx1"/>
+          </a:fontRef>
+        </p:style>
+      </p:cxnSp>
+      <mc:AlternateContent xmlns:mc="http://schemas.openxmlformats.org/markup-compatibility/2006" xmlns:am3d="http://schemas.microsoft.com/office/drawing/2017/model3d">
+        <mc:Choice Requires="am3d">
+          <p:graphicFrame>
+            <p:nvGraphicFramePr>
+              <p:cNvPr id="7" name="Modelo 3D 6" descr="Beam">
+                <a:extLst>
+                  <a:ext uri="{FF2B5EF4-FFF2-40B4-BE49-F238E27FC236}">
+                    <a16:creationId xmlns:a16="http://schemas.microsoft.com/office/drawing/2014/main" id="{89BBA01E-727C-483D-8EF0-EE2062EE90C6}"/>
+                  </a:ext>
+                </a:extLst>
+              </p:cNvPr>
+              <p:cNvGraphicFramePr>
+                <a:graphicFrameLocks noChangeAspect="1"/>
+              </p:cNvGraphicFramePr>
+              <p:nvPr>
+                <p:extLst>
+                  <p:ext uri="{D42A27DB-BD31-4B8C-83A1-F6EECF244321}">
+                    <p14:modId xmlns:p14="http://schemas.microsoft.com/office/powerpoint/2010/main" val="201171710"/>
+                  </p:ext>
+                </p:extLst>
+              </p:nvPr>
+            </p:nvGraphicFramePr>
+            <p:xfrm>
+              <a:off x="5885135" y="3014189"/>
+              <a:ext cx="1202819" cy="1248114"/>
+            </p:xfrm>
+            <a:graphic>
+              <a:graphicData uri="http://schemas.microsoft.com/office/drawing/2017/model3d">
+                <am3d:model3d r:embed="rId2">
+                  <am3d:spPr>
+                    <a:xfrm>
+                      <a:off x="0" y="0"/>
+                      <a:ext cx="1202819" cy="1248114"/>
+                    </a:xfrm>
+                    <a:prstGeom prst="rect">
+                      <a:avLst/>
+                    </a:prstGeom>
+                  </am3d:spPr>
+                  <am3d:camera>
+                    <am3d:pos x="0" y="0" z="81469193"/>
+                    <am3d:up dx="0" dy="36000000" dz="0"/>
+                    <am3d:lookAt x="0" y="0" z="0"/>
+                    <am3d:perspective fov="2700000"/>
+                  </am3d:camera>
+                  <am3d:trans>
+                    <am3d:meterPerModelUnit n="7140529" d="1000000"/>
+                    <am3d:preTrans dx="0" dy="-17999995" dz="5866"/>
+                    <am3d:scale>
+                      <am3d:sx n="1000000" d="1000000"/>
+                      <am3d:sy n="1000000" d="1000000"/>
+                      <am3d:sz n="1000000" d="1000000"/>
+                    </am3d:scale>
+                    <am3d:rot ax="16200000" ay="18000000" az="5400000"/>
+                    <am3d:postTrans dx="0" dy="0" dz="0"/>
+                  </am3d:trans>
+                  <am3d:raster rName="Office3DRenderer" rVer="16.0.8326">
+                    <am3d:blip r:embed="rId3"/>
+                  </am3d:raster>
+                  <am3d:objViewport viewportSz="1574409"/>
+                  <am3d:ambientLight>
+                    <am3d:clr>
+                      <a:scrgbClr r="50000" g="50000" b="50000"/>
+                    </am3d:clr>
+                    <am3d:illuminance n="500000" d="1000000"/>
+                  </am3d:ambientLight>
+                  <am3d:ptLight rad="0">
+                    <am3d:clr>
+                      <a:scrgbClr r="100000" g="75000" b="50000"/>
+                    </am3d:clr>
+                    <am3d:intensity n="9765625" d="1000000"/>
+                    <am3d:pos x="21959998" y="70920001" z="16344003"/>
+                  </am3d:ptLight>
+                  <am3d:ptLight rad="0">
+                    <am3d:clr>
+                      <a:scrgbClr r="40000" g="60000" b="95000"/>
+                    </am3d:clr>
+                    <am3d:intensity n="12250000" d="1000000"/>
+                    <am3d:pos x="-37964106" y="51130435" z="57631972"/>
+                  </am3d:ptLight>
+                  <am3d:ptLight rad="0">
+                    <am3d:clr>
+                      <a:scrgbClr r="86837" g="72700" b="100000"/>
+                    </am3d:clr>
+                    <am3d:intensity n="3125000" d="1000000"/>
+                    <am3d:pos x="-37739122" y="58056624" z="-34769649"/>
+                  </am3d:ptLight>
+                </am3d:model3d>
+              </a:graphicData>
+            </a:graphic>
+          </p:graphicFrame>
+        </mc:Choice>
+        <mc:Fallback xmlns="">
+          <p:pic>
+            <p:nvPicPr>
+              <p:cNvPr id="7" name="Modelo 3D 6" descr="Beam">
+                <a:extLst>
+                  <a:ext uri="{FF2B5EF4-FFF2-40B4-BE49-F238E27FC236}">
+                    <a16:creationId xmlns:a16="http://schemas.microsoft.com/office/drawing/2014/main" id="{89BBA01E-727C-483D-8EF0-EE2062EE90C6}"/>
+                  </a:ext>
+                </a:extLst>
+              </p:cNvPr>
+              <p:cNvPicPr>
+                <a:picLocks noGrp="1" noRot="1" noChangeAspect="1" noMove="1" noResize="1" noEditPoints="1" noAdjustHandles="1" noChangeArrowheads="1" noChangeShapeType="1" noCrop="1"/>
+              </p:cNvPicPr>
+              <p:nvPr/>
+            </p:nvPicPr>
+            <p:blipFill>
+              <a:blip r:embed="rId4"/>
+              <a:stretch>
+                <a:fillRect/>
+              </a:stretch>
+            </p:blipFill>
+            <p:spPr>
+              <a:xfrm>
+                <a:off x="5885135" y="3014189"/>
+                <a:ext cx="1202819" cy="1248114"/>
+              </a:xfrm>
+              <a:prstGeom prst="rect">
+                <a:avLst/>
+              </a:prstGeom>
+            </p:spPr>
+          </p:pic>
+        </mc:Fallback>
+      </mc:AlternateContent>
+      <p:sp>
+        <p:nvSpPr>
+          <p:cNvPr id="30" name="CaixaDeTexto 29">
+            <a:extLst>
+              <a:ext uri="{FF2B5EF4-FFF2-40B4-BE49-F238E27FC236}">
+                <a16:creationId xmlns:a16="http://schemas.microsoft.com/office/drawing/2014/main" id="{1B36C2F3-2FB1-4998-BC14-DFC648011A27}"/>
+              </a:ext>
+            </a:extLst>
+          </p:cNvPr>
+          <p:cNvSpPr txBox="1"/>
+          <p:nvPr/>
+        </p:nvSpPr>
+        <p:spPr>
+          <a:xfrm>
+            <a:off x="7269398" y="3862508"/>
+            <a:ext cx="564578" cy="461665"/>
+          </a:xfrm>
+          <a:prstGeom prst="rect">
+            <a:avLst/>
+          </a:prstGeom>
+          <a:noFill/>
+        </p:spPr>
+        <p:txBody>
+          <a:bodyPr wrap="none" rtlCol="0">
+            <a:spAutoFit/>
+          </a:bodyPr>
+          <a:lstStyle/>
+          <a:p>
+            <a:r>
+              <a:rPr lang="en-GB" sz="2400" b="1" dirty="0"/>
+              <a:t>0%</a:t>
+            </a:r>
+          </a:p>
+        </p:txBody>
+      </p:sp>
+      <p:sp>
+        <p:nvSpPr>
+          <p:cNvPr id="31" name="CaixaDeTexto 30">
+            <a:extLst>
+              <a:ext uri="{FF2B5EF4-FFF2-40B4-BE49-F238E27FC236}">
+                <a16:creationId xmlns:a16="http://schemas.microsoft.com/office/drawing/2014/main" id="{5F3267E4-6EC2-463F-9907-03515D968527}"/>
+              </a:ext>
+            </a:extLst>
+          </p:cNvPr>
+          <p:cNvSpPr txBox="1"/>
+          <p:nvPr/>
+        </p:nvSpPr>
+        <p:spPr>
+          <a:xfrm>
+            <a:off x="6829710" y="4637768"/>
+            <a:ext cx="516488" cy="461665"/>
+          </a:xfrm>
+          <a:prstGeom prst="rect">
+            <a:avLst/>
+          </a:prstGeom>
+          <a:noFill/>
+        </p:spPr>
+        <p:txBody>
+          <a:bodyPr wrap="none" rtlCol="0">
+            <a:spAutoFit/>
+          </a:bodyPr>
+          <a:lstStyle/>
+          <a:p>
+            <a:r>
+              <a:rPr lang="en-GB" sz="2400" b="1" dirty="0"/>
+              <a:t>t%</a:t>
+            </a:r>
+          </a:p>
+        </p:txBody>
+      </p:sp>
+      <p:sp>
+        <p:nvSpPr>
+          <p:cNvPr id="32" name="CaixaDeTexto 31">
+            <a:extLst>
+              <a:ext uri="{FF2B5EF4-FFF2-40B4-BE49-F238E27FC236}">
+                <a16:creationId xmlns:a16="http://schemas.microsoft.com/office/drawing/2014/main" id="{DFEE8F73-6109-48F4-8865-CB1F756651F0}"/>
+              </a:ext>
+            </a:extLst>
+          </p:cNvPr>
+          <p:cNvSpPr txBox="1"/>
+          <p:nvPr/>
+        </p:nvSpPr>
+        <p:spPr>
+          <a:xfrm>
+            <a:off x="5387370" y="4254113"/>
+            <a:ext cx="958917" cy="461665"/>
+          </a:xfrm>
+          <a:prstGeom prst="rect">
+            <a:avLst/>
+          </a:prstGeom>
+          <a:noFill/>
+        </p:spPr>
+        <p:txBody>
+          <a:bodyPr wrap="none" rtlCol="0">
+            <a:spAutoFit/>
+          </a:bodyPr>
+          <a:lstStyle/>
+          <a:p>
+            <a:r>
+              <a:rPr lang="en-GB" sz="2400" b="1" dirty="0"/>
+              <a:t>(1-t)%</a:t>
+            </a:r>
+          </a:p>
+        </p:txBody>
+      </p:sp>
+      <mc:AlternateContent xmlns:mc="http://schemas.openxmlformats.org/markup-compatibility/2006" xmlns:am3d="http://schemas.microsoft.com/office/drawing/2017/model3d">
+        <mc:Choice Requires="am3d">
+          <p:graphicFrame>
+            <p:nvGraphicFramePr>
+              <p:cNvPr id="34" name="Modelo 3D 33" descr="Cuboide Cinza-Claro">
+                <a:extLst>
+                  <a:ext uri="{FF2B5EF4-FFF2-40B4-BE49-F238E27FC236}">
+                    <a16:creationId xmlns:a16="http://schemas.microsoft.com/office/drawing/2014/main" id="{380C57D9-CA4B-4670-B753-BCC14281F462}"/>
+                  </a:ext>
+                </a:extLst>
+              </p:cNvPr>
+              <p:cNvGraphicFramePr>
+                <a:graphicFrameLocks noChangeAspect="1"/>
+              </p:cNvGraphicFramePr>
+              <p:nvPr>
+                <p:extLst>
+                  <p:ext uri="{D42A27DB-BD31-4B8C-83A1-F6EECF244321}">
+                    <p14:modId xmlns:p14="http://schemas.microsoft.com/office/powerpoint/2010/main" val="4102625734"/>
+                  </p:ext>
+                </p:extLst>
+              </p:nvPr>
+            </p:nvGraphicFramePr>
+            <p:xfrm>
+              <a:off x="9348521" y="5021892"/>
+              <a:ext cx="2539467" cy="1544097"/>
+            </p:xfrm>
+            <a:graphic>
+              <a:graphicData uri="http://schemas.microsoft.com/office/drawing/2017/model3d">
+                <am3d:model3d r:embed="rId5">
+                  <am3d:spPr>
+                    <a:xfrm>
+                      <a:off x="0" y="0"/>
+                      <a:ext cx="2539467" cy="1544097"/>
+                    </a:xfrm>
+                    <a:prstGeom prst="rect">
+                      <a:avLst/>
+                    </a:prstGeom>
+                  </am3d:spPr>
+                  <am3d:camera>
+                    <am3d:pos x="0" y="0" z="57664451"/>
+                    <am3d:up dx="0" dy="36000000" dz="0"/>
+                    <am3d:lookAt x="0" y="0" z="0"/>
+                    <am3d:perspective fov="2700000"/>
+                  </am3d:camera>
+                  <am3d:trans>
+                    <am3d:meterPerModelUnit n="4361393" d="1000000"/>
+                    <am3d:preTrans dx="0" dy="-6493603" dz="0"/>
+                    <am3d:scale>
+                      <am3d:sx n="1000000" d="1000000"/>
+                      <am3d:sy n="1000000" d="1000000"/>
+                      <am3d:sz n="1000000" d="1000000"/>
+                    </am3d:scale>
+                    <am3d:rot ax="7192918" ay="3895266" az="7343495"/>
+                    <am3d:postTrans dx="0" dy="0" dz="0"/>
+                  </am3d:trans>
+                  <am3d:raster rName="Office3DRenderer" rVer="16.0.8326">
+                    <am3d:blip r:embed="rId6"/>
+                  </am3d:raster>
+                  <am3d:objViewport viewportSz="2580377"/>
+                  <am3d:ambientLight>
+                    <am3d:clr>
+                      <a:scrgbClr r="50000" g="50000" b="50000"/>
+                    </am3d:clr>
+                    <am3d:illuminance n="500000" d="1000000"/>
+                  </am3d:ambientLight>
+                  <am3d:ptLight rad="0">
+                    <am3d:clr>
+                      <a:scrgbClr r="100000" g="75000" b="50000"/>
+                    </am3d:clr>
+                    <am3d:intensity n="9765625" d="1000000"/>
+                    <am3d:pos x="21959998" y="70920001" z="16344003"/>
+                  </am3d:ptLight>
+                  <am3d:ptLight rad="0">
+                    <am3d:clr>
+                      <a:scrgbClr r="40000" g="60000" b="95000"/>
+                    </am3d:clr>
+                    <am3d:intensity n="12250000" d="1000000"/>
+                    <am3d:pos x="-37964106" y="51130435" z="57631972"/>
+                  </am3d:ptLight>
+                  <am3d:ptLight rad="0">
+                    <am3d:clr>
+                      <a:scrgbClr r="86837" g="72700" b="100000"/>
+                    </am3d:clr>
+                    <am3d:intensity n="3125000" d="1000000"/>
+                    <am3d:pos x="-37739122" y="58056624" z="-34769649"/>
+                  </am3d:ptLight>
+                </am3d:model3d>
+              </a:graphicData>
+            </a:graphic>
+          </p:graphicFrame>
+        </mc:Choice>
+        <mc:Fallback xmlns="">
+          <p:pic>
+            <p:nvPicPr>
+              <p:cNvPr id="34" name="Modelo 3D 33" descr="Cuboide Cinza-Claro">
+                <a:extLst>
+                  <a:ext uri="{FF2B5EF4-FFF2-40B4-BE49-F238E27FC236}">
+                    <a16:creationId xmlns:a16="http://schemas.microsoft.com/office/drawing/2014/main" id="{380C57D9-CA4B-4670-B753-BCC14281F462}"/>
+                  </a:ext>
+                </a:extLst>
+              </p:cNvPr>
+              <p:cNvPicPr>
+                <a:picLocks noGrp="1" noRot="1" noChangeAspect="1" noMove="1" noResize="1" noEditPoints="1" noAdjustHandles="1" noChangeArrowheads="1" noChangeShapeType="1" noCrop="1"/>
+              </p:cNvPicPr>
+              <p:nvPr/>
+            </p:nvPicPr>
+            <p:blipFill>
+              <a:blip r:embed="rId7"/>
+              <a:stretch>
+                <a:fillRect/>
+              </a:stretch>
+            </p:blipFill>
+            <p:spPr>
+              <a:xfrm>
+                <a:off x="9348521" y="5021892"/>
+                <a:ext cx="2539467" cy="1544097"/>
+              </a:xfrm>
+              <a:prstGeom prst="rect">
+                <a:avLst/>
+              </a:prstGeom>
+            </p:spPr>
+          </p:pic>
+        </mc:Fallback>
+      </mc:AlternateContent>
+      <mc:AlternateContent xmlns:mc="http://schemas.openxmlformats.org/markup-compatibility/2006" xmlns:am3d="http://schemas.microsoft.com/office/drawing/2017/model3d">
+        <mc:Choice Requires="am3d">
+          <p:graphicFrame>
+            <p:nvGraphicFramePr>
+              <p:cNvPr id="35" name="Modelo 3D 34" descr="Cuboide Cinza-Claro">
+                <a:extLst>
+                  <a:ext uri="{FF2B5EF4-FFF2-40B4-BE49-F238E27FC236}">
+                    <a16:creationId xmlns:a16="http://schemas.microsoft.com/office/drawing/2014/main" id="{C9C8C47D-D33A-46FF-8142-0299501C2C8A}"/>
+                  </a:ext>
+                </a:extLst>
+              </p:cNvPr>
+              <p:cNvGraphicFramePr>
+                <a:graphicFrameLocks noChangeAspect="1"/>
+              </p:cNvGraphicFramePr>
+              <p:nvPr>
+                <p:extLst>
+                  <p:ext uri="{D42A27DB-BD31-4B8C-83A1-F6EECF244321}">
+                    <p14:modId xmlns:p14="http://schemas.microsoft.com/office/powerpoint/2010/main" val="405793456"/>
+                  </p:ext>
+                </p:extLst>
+              </p:nvPr>
+            </p:nvGraphicFramePr>
+            <p:xfrm>
+              <a:off x="27382" y="-113613"/>
+              <a:ext cx="2484702" cy="1965923"/>
+            </p:xfrm>
+            <a:graphic>
+              <a:graphicData uri="http://schemas.microsoft.com/office/drawing/2017/model3d">
+                <am3d:model3d r:embed="rId5">
+                  <am3d:spPr>
+                    <a:xfrm>
+                      <a:off x="0" y="0"/>
+                      <a:ext cx="2484702" cy="1965923"/>
+                    </a:xfrm>
+                    <a:prstGeom prst="rect">
+                      <a:avLst/>
+                    </a:prstGeom>
+                  </am3d:spPr>
+                  <am3d:camera>
+                    <am3d:pos x="0" y="0" z="57664451"/>
+                    <am3d:up dx="0" dy="36000000" dz="0"/>
+                    <am3d:lookAt x="0" y="0" z="0"/>
+                    <am3d:perspective fov="2700000"/>
+                  </am3d:camera>
+                  <am3d:trans>
+                    <am3d:meterPerModelUnit n="4361393" d="1000000"/>
+                    <am3d:preTrans dx="0" dy="-6493603" dz="0"/>
+                    <am3d:scale>
+                      <am3d:sx n="1000000" d="1000000"/>
+                      <am3d:sy n="1000000" d="1000000"/>
+                      <am3d:sz n="1000000" d="1000000"/>
+                    </am3d:scale>
+                    <am3d:rot ax="1719724" ay="2708621" az="1270836"/>
+                    <am3d:postTrans dx="0" dy="0" dz="0"/>
+                  </am3d:trans>
+                  <am3d:raster rName="Office3DRenderer" rVer="16.0.8326">
+                    <am3d:blip r:embed="rId8"/>
+                  </am3d:raster>
+                  <am3d:objViewport viewportSz="2580374"/>
+                  <am3d:ambientLight>
+                    <am3d:clr>
+                      <a:scrgbClr r="50000" g="50000" b="50000"/>
+                    </am3d:clr>
+                    <am3d:illuminance n="500000" d="1000000"/>
+                  </am3d:ambientLight>
+                  <am3d:ptLight rad="0">
+                    <am3d:clr>
+                      <a:scrgbClr r="100000" g="75000" b="50000"/>
+                    </am3d:clr>
+                    <am3d:intensity n="9765625" d="1000000"/>
+                    <am3d:pos x="21959998" y="70920001" z="16344003"/>
+                  </am3d:ptLight>
+                  <am3d:ptLight rad="0">
+                    <am3d:clr>
+                      <a:scrgbClr r="40000" g="60000" b="95000"/>
+                    </am3d:clr>
+                    <am3d:intensity n="12250000" d="1000000"/>
+                    <am3d:pos x="-37964106" y="51130435" z="57631972"/>
+                  </am3d:ptLight>
+                  <am3d:ptLight rad="0">
+                    <am3d:clr>
+                      <a:scrgbClr r="86837" g="72700" b="100000"/>
+                    </am3d:clr>
+                    <am3d:intensity n="3125000" d="1000000"/>
+                    <am3d:pos x="-37739122" y="58056624" z="-34769649"/>
+                  </am3d:ptLight>
+                </am3d:model3d>
+              </a:graphicData>
+            </a:graphic>
+          </p:graphicFrame>
+        </mc:Choice>
+        <mc:Fallback xmlns="">
+          <p:pic>
+            <p:nvPicPr>
+              <p:cNvPr id="35" name="Modelo 3D 34" descr="Cuboide Cinza-Claro">
+                <a:extLst>
+                  <a:ext uri="{FF2B5EF4-FFF2-40B4-BE49-F238E27FC236}">
+                    <a16:creationId xmlns:a16="http://schemas.microsoft.com/office/drawing/2014/main" id="{C9C8C47D-D33A-46FF-8142-0299501C2C8A}"/>
+                  </a:ext>
+                </a:extLst>
+              </p:cNvPr>
+              <p:cNvPicPr>
+                <a:picLocks noGrp="1" noRot="1" noChangeAspect="1" noMove="1" noResize="1" noEditPoints="1" noAdjustHandles="1" noChangeArrowheads="1" noChangeShapeType="1" noCrop="1"/>
+              </p:cNvPicPr>
+              <p:nvPr/>
+            </p:nvPicPr>
+            <p:blipFill>
+              <a:blip r:embed="rId9"/>
+              <a:stretch>
+                <a:fillRect/>
+              </a:stretch>
+            </p:blipFill>
+            <p:spPr>
+              <a:xfrm>
+                <a:off x="27382" y="-113613"/>
+                <a:ext cx="2484702" cy="1965923"/>
+              </a:xfrm>
+              <a:prstGeom prst="rect">
+                <a:avLst/>
+              </a:prstGeom>
+            </p:spPr>
+          </p:pic>
+        </mc:Fallback>
+      </mc:AlternateContent>
+      <mc:AlternateContent xmlns:mc="http://schemas.openxmlformats.org/markup-compatibility/2006" xmlns:am3d="http://schemas.microsoft.com/office/drawing/2017/model3d">
+        <mc:Choice Requires="am3d">
+          <p:graphicFrame>
+            <p:nvGraphicFramePr>
+              <p:cNvPr id="38" name="Modelo 3D 37" descr="Cuboide Cinza-Escuro">
+                <a:extLst>
+                  <a:ext uri="{FF2B5EF4-FFF2-40B4-BE49-F238E27FC236}">
+                    <a16:creationId xmlns:a16="http://schemas.microsoft.com/office/drawing/2014/main" id="{AB42B42F-5CAF-4B76-968E-3A216E4F78C6}"/>
+                  </a:ext>
+                </a:extLst>
+              </p:cNvPr>
+              <p:cNvGraphicFramePr>
+                <a:graphicFrameLocks noChangeAspect="1"/>
+              </p:cNvGraphicFramePr>
+              <p:nvPr>
+                <p:extLst>
+                  <p:ext uri="{D42A27DB-BD31-4B8C-83A1-F6EECF244321}">
+                    <p14:modId xmlns:p14="http://schemas.microsoft.com/office/powerpoint/2010/main" val="283850834"/>
+                  </p:ext>
+                </p:extLst>
+              </p:nvPr>
+            </p:nvGraphicFramePr>
+            <p:xfrm>
+              <a:off x="1025576" y="4020671"/>
+              <a:ext cx="2576043" cy="1390215"/>
+            </p:xfrm>
+            <a:graphic>
+              <a:graphicData uri="http://schemas.microsoft.com/office/drawing/2017/model3d">
+                <am3d:model3d r:embed="rId10">
+                  <am3d:spPr>
+                    <a:xfrm>
+                      <a:off x="0" y="0"/>
+                      <a:ext cx="2576043" cy="1390215"/>
+                    </a:xfrm>
+                    <a:prstGeom prst="rect">
+                      <a:avLst/>
+                    </a:prstGeom>
+                  </am3d:spPr>
+                  <am3d:camera>
+                    <am3d:pos x="0" y="0" z="57664451"/>
+                    <am3d:up dx="0" dy="36000000" dz="0"/>
+                    <am3d:lookAt x="0" y="0" z="0"/>
+                    <am3d:perspective fov="2700000"/>
+                  </am3d:camera>
+                  <am3d:trans>
+                    <am3d:meterPerModelUnit n="4361393" d="1000000"/>
+                    <am3d:preTrans dx="0" dy="-6493603" dz="0"/>
+                    <am3d:scale>
+                      <am3d:sx n="1000000" d="1000000"/>
+                      <am3d:sy n="1000000" d="1000000"/>
+                      <am3d:sz n="1000000" d="1000000"/>
+                    </am3d:scale>
+                    <am3d:rot ax="5400000" ay="3600000" az="5400000"/>
+                    <am3d:postTrans dx="0" dy="0" dz="0"/>
+                  </am3d:trans>
+                  <am3d:raster rName="Office3DRenderer" rVer="16.0.8326">
+                    <am3d:blip r:embed="rId11"/>
+                  </am3d:raster>
+                  <am3d:objViewport viewportSz="2661617"/>
+                  <am3d:ambientLight>
+                    <am3d:clr>
+                      <a:scrgbClr r="50000" g="50000" b="50000"/>
+                    </am3d:clr>
+                    <am3d:illuminance n="500000" d="1000000"/>
+                  </am3d:ambientLight>
+                  <am3d:ptLight rad="0">
+                    <am3d:clr>
+                      <a:scrgbClr r="100000" g="75000" b="50000"/>
+                    </am3d:clr>
+                    <am3d:intensity n="9765625" d="1000000"/>
+                    <am3d:pos x="21959998" y="70920001" z="16344003"/>
+                  </am3d:ptLight>
+                  <am3d:ptLight rad="0">
+                    <am3d:clr>
+                      <a:scrgbClr r="40000" g="60000" b="95000"/>
+                    </am3d:clr>
+                    <am3d:intensity n="12250000" d="1000000"/>
+                    <am3d:pos x="-37964106" y="51130435" z="57631972"/>
+                  </am3d:ptLight>
+                  <am3d:ptLight rad="0">
+                    <am3d:clr>
+                      <a:scrgbClr r="86837" g="72700" b="100000"/>
+                    </am3d:clr>
+                    <am3d:intensity n="3125000" d="1000000"/>
+                    <am3d:pos x="-37739122" y="58056624" z="-34769649"/>
+                  </am3d:ptLight>
+                </am3d:model3d>
+              </a:graphicData>
+            </a:graphic>
+          </p:graphicFrame>
+        </mc:Choice>
+        <mc:Fallback xmlns="">
+          <p:pic>
+            <p:nvPicPr>
+              <p:cNvPr id="38" name="Modelo 3D 37" descr="Cuboide Cinza-Escuro">
+                <a:extLst>
+                  <a:ext uri="{FF2B5EF4-FFF2-40B4-BE49-F238E27FC236}">
+                    <a16:creationId xmlns:a16="http://schemas.microsoft.com/office/drawing/2014/main" id="{AB42B42F-5CAF-4B76-968E-3A216E4F78C6}"/>
+                  </a:ext>
+                </a:extLst>
+              </p:cNvPr>
+              <p:cNvPicPr>
+                <a:picLocks noGrp="1" noRot="1" noChangeAspect="1" noMove="1" noResize="1" noEditPoints="1" noAdjustHandles="1" noChangeArrowheads="1" noChangeShapeType="1" noCrop="1"/>
+              </p:cNvPicPr>
+              <p:nvPr/>
+            </p:nvPicPr>
+            <p:blipFill>
+              <a:blip r:embed="rId12"/>
+              <a:stretch>
+                <a:fillRect/>
+              </a:stretch>
+            </p:blipFill>
+            <p:spPr>
+              <a:xfrm>
+                <a:off x="1025576" y="4020671"/>
+                <a:ext cx="2576043" cy="1390215"/>
+              </a:xfrm>
+              <a:prstGeom prst="rect">
+                <a:avLst/>
+              </a:prstGeom>
+            </p:spPr>
+          </p:pic>
+        </mc:Fallback>
+      </mc:AlternateContent>
+      <p:sp>
+        <p:nvSpPr>
+          <p:cNvPr id="18" name="CaixaDeTexto 17">
+            <a:extLst>
+              <a:ext uri="{FF2B5EF4-FFF2-40B4-BE49-F238E27FC236}">
+                <a16:creationId xmlns:a16="http://schemas.microsoft.com/office/drawing/2014/main" id="{D2687353-C682-45B3-AE3A-9642BC8482FF}"/>
+              </a:ext>
+            </a:extLst>
+          </p:cNvPr>
+          <p:cNvSpPr txBox="1"/>
+          <p:nvPr/>
+        </p:nvSpPr>
+        <p:spPr>
+          <a:xfrm>
+            <a:off x="5387370" y="3133168"/>
+            <a:ext cx="2370970" cy="584775"/>
+          </a:xfrm>
+          <a:prstGeom prst="rect">
+            <a:avLst/>
+          </a:prstGeom>
+          <a:noFill/>
+        </p:spPr>
+        <p:txBody>
+          <a:bodyPr wrap="none" rtlCol="0">
+            <a:spAutoFit/>
+          </a:bodyPr>
+          <a:lstStyle/>
+          <a:p>
+            <a:r>
+              <a:rPr lang="en-GB" sz="3200" b="1" dirty="0" err="1"/>
+              <a:t>Beamsplitter</a:t>
+            </a:r>
+            <a:endParaRPr lang="en-GB" sz="4000" b="1" dirty="0"/>
+          </a:p>
+        </p:txBody>
+      </p:sp>
+    </p:spTree>
+    <p:extLst>
+      <p:ext uri="{BB962C8B-B14F-4D97-AF65-F5344CB8AC3E}">
+        <p14:creationId xmlns:p14="http://schemas.microsoft.com/office/powerpoint/2010/main" val="2919146019"/>
       </p:ext>
     </p:extLst>
   </p:cSld>

--- a/doc/tex/sdf/tq_76558_cow_protocol/figures_raw/Bob.pptx
+++ b/doc/tex/sdf/tq_76558_cow_protocol/figures_raw/Bob.pptx
@@ -262,7 +262,7 @@
           <a:p>
             <a:fld id="{4B3AA8C6-FF6F-4F8F-942E-89BFB6A8B502}" type="datetimeFigureOut">
               <a:rPr lang="en-GB" smtClean="0"/>
-              <a:t>06/10/2018</a:t>
+              <a:t>15/10/2018</a:t>
             </a:fld>
             <a:endParaRPr lang="en-GB"/>
           </a:p>
@@ -462,7 +462,7 @@
           <a:p>
             <a:fld id="{4B3AA8C6-FF6F-4F8F-942E-89BFB6A8B502}" type="datetimeFigureOut">
               <a:rPr lang="en-GB" smtClean="0"/>
-              <a:t>06/10/2018</a:t>
+              <a:t>15/10/2018</a:t>
             </a:fld>
             <a:endParaRPr lang="en-GB"/>
           </a:p>
@@ -672,7 +672,7 @@
           <a:p>
             <a:fld id="{4B3AA8C6-FF6F-4F8F-942E-89BFB6A8B502}" type="datetimeFigureOut">
               <a:rPr lang="en-GB" smtClean="0"/>
-              <a:t>06/10/2018</a:t>
+              <a:t>15/10/2018</a:t>
             </a:fld>
             <a:endParaRPr lang="en-GB"/>
           </a:p>
@@ -872,7 +872,7 @@
           <a:p>
             <a:fld id="{4B3AA8C6-FF6F-4F8F-942E-89BFB6A8B502}" type="datetimeFigureOut">
               <a:rPr lang="en-GB" smtClean="0"/>
-              <a:t>06/10/2018</a:t>
+              <a:t>15/10/2018</a:t>
             </a:fld>
             <a:endParaRPr lang="en-GB"/>
           </a:p>
@@ -1148,7 +1148,7 @@
           <a:p>
             <a:fld id="{4B3AA8C6-FF6F-4F8F-942E-89BFB6A8B502}" type="datetimeFigureOut">
               <a:rPr lang="en-GB" smtClean="0"/>
-              <a:t>06/10/2018</a:t>
+              <a:t>15/10/2018</a:t>
             </a:fld>
             <a:endParaRPr lang="en-GB"/>
           </a:p>
@@ -1416,7 +1416,7 @@
           <a:p>
             <a:fld id="{4B3AA8C6-FF6F-4F8F-942E-89BFB6A8B502}" type="datetimeFigureOut">
               <a:rPr lang="en-GB" smtClean="0"/>
-              <a:t>06/10/2018</a:t>
+              <a:t>15/10/2018</a:t>
             </a:fld>
             <a:endParaRPr lang="en-GB"/>
           </a:p>
@@ -1831,7 +1831,7 @@
           <a:p>
             <a:fld id="{4B3AA8C6-FF6F-4F8F-942E-89BFB6A8B502}" type="datetimeFigureOut">
               <a:rPr lang="en-GB" smtClean="0"/>
-              <a:t>06/10/2018</a:t>
+              <a:t>15/10/2018</a:t>
             </a:fld>
             <a:endParaRPr lang="en-GB"/>
           </a:p>
@@ -1973,7 +1973,7 @@
           <a:p>
             <a:fld id="{4B3AA8C6-FF6F-4F8F-942E-89BFB6A8B502}" type="datetimeFigureOut">
               <a:rPr lang="en-GB" smtClean="0"/>
-              <a:t>06/10/2018</a:t>
+              <a:t>15/10/2018</a:t>
             </a:fld>
             <a:endParaRPr lang="en-GB"/>
           </a:p>
@@ -2086,7 +2086,7 @@
           <a:p>
             <a:fld id="{4B3AA8C6-FF6F-4F8F-942E-89BFB6A8B502}" type="datetimeFigureOut">
               <a:rPr lang="en-GB" smtClean="0"/>
-              <a:t>06/10/2018</a:t>
+              <a:t>15/10/2018</a:t>
             </a:fld>
             <a:endParaRPr lang="en-GB"/>
           </a:p>
@@ -2399,7 +2399,7 @@
           <a:p>
             <a:fld id="{4B3AA8C6-FF6F-4F8F-942E-89BFB6A8B502}" type="datetimeFigureOut">
               <a:rPr lang="en-GB" smtClean="0"/>
-              <a:t>06/10/2018</a:t>
+              <a:t>15/10/2018</a:t>
             </a:fld>
             <a:endParaRPr lang="en-GB"/>
           </a:p>
@@ -2688,7 +2688,7 @@
           <a:p>
             <a:fld id="{4B3AA8C6-FF6F-4F8F-942E-89BFB6A8B502}" type="datetimeFigureOut">
               <a:rPr lang="en-GB" smtClean="0"/>
-              <a:t>06/10/2018</a:t>
+              <a:t>15/10/2018</a:t>
             </a:fld>
             <a:endParaRPr lang="en-GB"/>
           </a:p>
@@ -2931,7 +2931,7 @@
           <a:p>
             <a:fld id="{4B3AA8C6-FF6F-4F8F-942E-89BFB6A8B502}" type="datetimeFigureOut">
               <a:rPr lang="en-GB" smtClean="0"/>
-              <a:t>06/10/2018</a:t>
+              <a:t>15/10/2018</a:t>
             </a:fld>
             <a:endParaRPr lang="en-GB"/>
           </a:p>
@@ -3348,8 +3348,8 @@
           <a:chExt cx="0" cy="0"/>
         </a:xfrm>
       </p:grpSpPr>
-      <mc:AlternateContent xmlns:mc="http://schemas.openxmlformats.org/markup-compatibility/2006" xmlns:am3d="http://schemas.microsoft.com/office/drawing/2017/model3d">
-        <mc:Choice Requires="am3d">
+      <mc:AlternateContent xmlns:mc="http://schemas.openxmlformats.org/markup-compatibility/2006">
+        <mc:Choice xmlns:am3d="http://schemas.microsoft.com/office/drawing/2017/model3d" Requires="am3d">
           <p:graphicFrame>
             <p:nvGraphicFramePr>
               <p:cNvPr id="9" name="Modelo 3D 8" descr="Hemisfério Cinza-Escuro">
@@ -3365,13 +3365,13 @@
               <p:nvPr>
                 <p:extLst>
                   <p:ext uri="{D42A27DB-BD31-4B8C-83A1-F6EECF244321}">
-                    <p14:modId xmlns:p14="http://schemas.microsoft.com/office/powerpoint/2010/main" val="590147565"/>
+                    <p14:modId xmlns:p14="http://schemas.microsoft.com/office/powerpoint/2010/main" val="628257544"/>
                   </p:ext>
                 </p:extLst>
               </p:nvPr>
             </p:nvGraphicFramePr>
             <p:xfrm rot="5400000">
-              <a:off x="9565364" y="1672933"/>
+              <a:off x="9580681" y="1677790"/>
               <a:ext cx="2520000" cy="2050277"/>
             </p:xfrm>
             <a:graphic>
@@ -3439,7 +3439,7 @@
             </a:graphic>
           </p:graphicFrame>
         </mc:Choice>
-        <mc:Fallback xmlns="">
+        <mc:Fallback>
           <p:pic>
             <p:nvPicPr>
               <p:cNvPr id="9" name="Modelo 3D 8" descr="Hemisfério Cinza-Escuro">
@@ -3455,14 +3455,14 @@
               <p:nvPr/>
             </p:nvPicPr>
             <p:blipFill>
-              <a:blip r:embed="rId4"/>
+              <a:blip r:embed="rId3"/>
               <a:stretch>
                 <a:fillRect/>
               </a:stretch>
             </p:blipFill>
             <p:spPr>
               <a:xfrm rot="5400000">
-                <a:off x="9565364" y="1672933"/>
+                <a:off x="9580681" y="1677790"/>
                 <a:ext cx="2520000" cy="2050277"/>
               </a:xfrm>
               <a:prstGeom prst="rect">
@@ -3528,7 +3528,7 @@
                     <am3d:postTrans dx="0" dy="0" dz="0"/>
                   </am3d:trans>
                   <am3d:raster rName="Office3DRenderer" rVer="16.0.8326">
-                    <am3d:blip r:embed="rId4"/>
+                    <am3d:blip r:embed="rId3"/>
                   </am3d:raster>
                   <am3d:objViewport viewportSz="3611788"/>
                   <am3d:ambientLight>
@@ -4231,7 +4231,7 @@
         </p:nvSpPr>
         <p:spPr>
           <a:xfrm>
-            <a:off x="4305926" y="3578018"/>
+            <a:off x="4093535" y="2938809"/>
             <a:ext cx="720069" cy="461665"/>
           </a:xfrm>
           <a:prstGeom prst="rect">
@@ -4266,7 +4266,7 @@
         </p:nvSpPr>
         <p:spPr>
           <a:xfrm>
-            <a:off x="3879864" y="1473783"/>
+            <a:off x="4009648" y="2165668"/>
             <a:ext cx="720069" cy="461665"/>
           </a:xfrm>
           <a:prstGeom prst="rect">
@@ -4284,6 +4284,110 @@
               <a:rPr lang="en-GB" sz="2400" b="1" dirty="0"/>
               <a:t>90%</a:t>
             </a:r>
+          </a:p>
+        </p:txBody>
+      </p:sp>
+      <p:sp>
+        <p:nvSpPr>
+          <p:cNvPr id="26" name="Arco 25">
+            <a:extLst>
+              <a:ext uri="{FF2B5EF4-FFF2-40B4-BE49-F238E27FC236}">
+                <a16:creationId xmlns:a16="http://schemas.microsoft.com/office/drawing/2014/main" id="{9F95BE01-3760-47EA-9481-A8D35F1B6C80}"/>
+              </a:ext>
+            </a:extLst>
+          </p:cNvPr>
+          <p:cNvSpPr/>
+          <p:nvPr/>
+        </p:nvSpPr>
+        <p:spPr>
+          <a:xfrm rot="20774366" flipH="1" flipV="1">
+            <a:off x="3233669" y="3764945"/>
+            <a:ext cx="1852002" cy="579635"/>
+          </a:xfrm>
+          <a:prstGeom prst="arc">
+            <a:avLst>
+              <a:gd name="adj1" fmla="val 10798193"/>
+              <a:gd name="adj2" fmla="val 13819012"/>
+            </a:avLst>
+          </a:prstGeom>
+          <a:ln w="76200">
+            <a:solidFill>
+              <a:schemeClr val="accent4"/>
+            </a:solidFill>
+          </a:ln>
+        </p:spPr>
+        <p:style>
+          <a:lnRef idx="3">
+            <a:schemeClr val="accent5"/>
+          </a:lnRef>
+          <a:fillRef idx="0">
+            <a:schemeClr val="accent5"/>
+          </a:fillRef>
+          <a:effectRef idx="2">
+            <a:schemeClr val="accent5"/>
+          </a:effectRef>
+          <a:fontRef idx="minor">
+            <a:schemeClr val="tx1"/>
+          </a:fontRef>
+        </p:style>
+        <p:txBody>
+          <a:bodyPr rtlCol="0" anchor="ctr"/>
+          <a:lstStyle/>
+          <a:p>
+            <a:pPr algn="ctr"/>
+            <a:endParaRPr lang="en-GB"/>
+          </a:p>
+        </p:txBody>
+      </p:sp>
+      <p:sp>
+        <p:nvSpPr>
+          <p:cNvPr id="27" name="Arco 26">
+            <a:extLst>
+              <a:ext uri="{FF2B5EF4-FFF2-40B4-BE49-F238E27FC236}">
+                <a16:creationId xmlns:a16="http://schemas.microsoft.com/office/drawing/2014/main" id="{62CF3182-78D1-44CA-85C2-E4164A094065}"/>
+              </a:ext>
+            </a:extLst>
+          </p:cNvPr>
+          <p:cNvSpPr/>
+          <p:nvPr/>
+        </p:nvSpPr>
+        <p:spPr>
+          <a:xfrm rot="1588493" flipH="1">
+            <a:off x="6993494" y="4299599"/>
+            <a:ext cx="3614669" cy="1735618"/>
+          </a:xfrm>
+          <a:prstGeom prst="arc">
+            <a:avLst>
+              <a:gd name="adj1" fmla="val 11525221"/>
+              <a:gd name="adj2" fmla="val 19332528"/>
+            </a:avLst>
+          </a:prstGeom>
+          <a:ln w="76200">
+            <a:solidFill>
+              <a:schemeClr val="accent4"/>
+            </a:solidFill>
+          </a:ln>
+        </p:spPr>
+        <p:style>
+          <a:lnRef idx="3">
+            <a:schemeClr val="accent5"/>
+          </a:lnRef>
+          <a:fillRef idx="0">
+            <a:schemeClr val="accent5"/>
+          </a:fillRef>
+          <a:effectRef idx="2">
+            <a:schemeClr val="accent5"/>
+          </a:effectRef>
+          <a:fontRef idx="minor">
+            <a:schemeClr val="tx1"/>
+          </a:fontRef>
+        </p:style>
+        <p:txBody>
+          <a:bodyPr rtlCol="0" anchor="ctr"/>
+          <a:lstStyle/>
+          <a:p>
+            <a:pPr algn="ctr"/>
+            <a:endParaRPr lang="en-GB"/>
           </a:p>
         </p:txBody>
       </p:sp>

--- a/doc/tex/sdf/tq_76558_cow_protocol/figures_raw/Bob.pptx
+++ b/doc/tex/sdf/tq_76558_cow_protocol/figures_raw/Bob.pptx
@@ -6,7 +6,6 @@
   </p:sldMasterIdLst>
   <p:sldIdLst>
     <p:sldId id="256" r:id="rId2"/>
-    <p:sldId id="257" r:id="rId3"/>
   </p:sldIdLst>
   <p:sldSz cx="12192000" cy="6858000"/>
   <p:notesSz cx="6858000" cy="9144000"/>
@@ -262,7 +261,7 @@
           <a:p>
             <a:fld id="{4B3AA8C6-FF6F-4F8F-942E-89BFB6A8B502}" type="datetimeFigureOut">
               <a:rPr lang="en-GB" smtClean="0"/>
-              <a:t>15/10/2018</a:t>
+              <a:t>17/10/2018</a:t>
             </a:fld>
             <a:endParaRPr lang="en-GB"/>
           </a:p>
@@ -462,7 +461,7 @@
           <a:p>
             <a:fld id="{4B3AA8C6-FF6F-4F8F-942E-89BFB6A8B502}" type="datetimeFigureOut">
               <a:rPr lang="en-GB" smtClean="0"/>
-              <a:t>15/10/2018</a:t>
+              <a:t>17/10/2018</a:t>
             </a:fld>
             <a:endParaRPr lang="en-GB"/>
           </a:p>
@@ -672,7 +671,7 @@
           <a:p>
             <a:fld id="{4B3AA8C6-FF6F-4F8F-942E-89BFB6A8B502}" type="datetimeFigureOut">
               <a:rPr lang="en-GB" smtClean="0"/>
-              <a:t>15/10/2018</a:t>
+              <a:t>17/10/2018</a:t>
             </a:fld>
             <a:endParaRPr lang="en-GB"/>
           </a:p>
@@ -872,7 +871,7 @@
           <a:p>
             <a:fld id="{4B3AA8C6-FF6F-4F8F-942E-89BFB6A8B502}" type="datetimeFigureOut">
               <a:rPr lang="en-GB" smtClean="0"/>
-              <a:t>15/10/2018</a:t>
+              <a:t>17/10/2018</a:t>
             </a:fld>
             <a:endParaRPr lang="en-GB"/>
           </a:p>
@@ -1148,7 +1147,7 @@
           <a:p>
             <a:fld id="{4B3AA8C6-FF6F-4F8F-942E-89BFB6A8B502}" type="datetimeFigureOut">
               <a:rPr lang="en-GB" smtClean="0"/>
-              <a:t>15/10/2018</a:t>
+              <a:t>17/10/2018</a:t>
             </a:fld>
             <a:endParaRPr lang="en-GB"/>
           </a:p>
@@ -1416,7 +1415,7 @@
           <a:p>
             <a:fld id="{4B3AA8C6-FF6F-4F8F-942E-89BFB6A8B502}" type="datetimeFigureOut">
               <a:rPr lang="en-GB" smtClean="0"/>
-              <a:t>15/10/2018</a:t>
+              <a:t>17/10/2018</a:t>
             </a:fld>
             <a:endParaRPr lang="en-GB"/>
           </a:p>
@@ -1831,7 +1830,7 @@
           <a:p>
             <a:fld id="{4B3AA8C6-FF6F-4F8F-942E-89BFB6A8B502}" type="datetimeFigureOut">
               <a:rPr lang="en-GB" smtClean="0"/>
-              <a:t>15/10/2018</a:t>
+              <a:t>17/10/2018</a:t>
             </a:fld>
             <a:endParaRPr lang="en-GB"/>
           </a:p>
@@ -1973,7 +1972,7 @@
           <a:p>
             <a:fld id="{4B3AA8C6-FF6F-4F8F-942E-89BFB6A8B502}" type="datetimeFigureOut">
               <a:rPr lang="en-GB" smtClean="0"/>
-              <a:t>15/10/2018</a:t>
+              <a:t>17/10/2018</a:t>
             </a:fld>
             <a:endParaRPr lang="en-GB"/>
           </a:p>
@@ -2086,7 +2085,7 @@
           <a:p>
             <a:fld id="{4B3AA8C6-FF6F-4F8F-942E-89BFB6A8B502}" type="datetimeFigureOut">
               <a:rPr lang="en-GB" smtClean="0"/>
-              <a:t>15/10/2018</a:t>
+              <a:t>17/10/2018</a:t>
             </a:fld>
             <a:endParaRPr lang="en-GB"/>
           </a:p>
@@ -2399,7 +2398,7 @@
           <a:p>
             <a:fld id="{4B3AA8C6-FF6F-4F8F-942E-89BFB6A8B502}" type="datetimeFigureOut">
               <a:rPr lang="en-GB" smtClean="0"/>
-              <a:t>15/10/2018</a:t>
+              <a:t>17/10/2018</a:t>
             </a:fld>
             <a:endParaRPr lang="en-GB"/>
           </a:p>
@@ -2688,7 +2687,7 @@
           <a:p>
             <a:fld id="{4B3AA8C6-FF6F-4F8F-942E-89BFB6A8B502}" type="datetimeFigureOut">
               <a:rPr lang="en-GB" smtClean="0"/>
-              <a:t>15/10/2018</a:t>
+              <a:t>17/10/2018</a:t>
             </a:fld>
             <a:endParaRPr lang="en-GB"/>
           </a:p>
@@ -2931,7 +2930,7 @@
           <a:p>
             <a:fld id="{4B3AA8C6-FF6F-4F8F-942E-89BFB6A8B502}" type="datetimeFigureOut">
               <a:rPr lang="en-GB" smtClean="0"/>
-              <a:t>15/10/2018</a:t>
+              <a:t>17/10/2018</a:t>
             </a:fld>
             <a:endParaRPr lang="en-GB"/>
           </a:p>
@@ -3352,10 +3351,10 @@
         <mc:Choice xmlns:am3d="http://schemas.microsoft.com/office/drawing/2017/model3d" Requires="am3d">
           <p:graphicFrame>
             <p:nvGraphicFramePr>
-              <p:cNvPr id="9" name="Modelo 3D 8" descr="Hemisfério Cinza-Escuro">
+              <p:cNvPr id="8" name="Modelo 3D 7" descr="Hemisfério Cinza-Escuro">
                 <a:extLst>
                   <a:ext uri="{FF2B5EF4-FFF2-40B4-BE49-F238E27FC236}">
-                    <a16:creationId xmlns:a16="http://schemas.microsoft.com/office/drawing/2014/main" id="{4C0A6430-845D-4595-AA50-9F5772C7298C}"/>
+                    <a16:creationId xmlns:a16="http://schemas.microsoft.com/office/drawing/2014/main" id="{EFF03A91-F0CC-44AA-BBC4-EAE8617A2EE6}"/>
                   </a:ext>
                 </a:extLst>
               </p:cNvPr>
@@ -3365,13 +3364,13 @@
               <p:nvPr>
                 <p:extLst>
                   <p:ext uri="{D42A27DB-BD31-4B8C-83A1-F6EECF244321}">
-                    <p14:modId xmlns:p14="http://schemas.microsoft.com/office/powerpoint/2010/main" val="628257544"/>
+                    <p14:modId xmlns:p14="http://schemas.microsoft.com/office/powerpoint/2010/main" val="1105369044"/>
                   </p:ext>
                 </p:extLst>
               </p:nvPr>
             </p:nvGraphicFramePr>
             <p:xfrm rot="5400000">
-              <a:off x="9580681" y="1677790"/>
+              <a:off x="6573759" y="586150"/>
               <a:ext cx="2520000" cy="2050277"/>
             </p:xfrm>
             <a:graphic>
@@ -3442,10 +3441,10 @@
         <mc:Fallback>
           <p:pic>
             <p:nvPicPr>
-              <p:cNvPr id="9" name="Modelo 3D 8" descr="Hemisfério Cinza-Escuro">
+              <p:cNvPr id="8" name="Modelo 3D 7" descr="Hemisfério Cinza-Escuro">
                 <a:extLst>
                   <a:ext uri="{FF2B5EF4-FFF2-40B4-BE49-F238E27FC236}">
-                    <a16:creationId xmlns:a16="http://schemas.microsoft.com/office/drawing/2014/main" id="{4C0A6430-845D-4595-AA50-9F5772C7298C}"/>
+                    <a16:creationId xmlns:a16="http://schemas.microsoft.com/office/drawing/2014/main" id="{EFF03A91-F0CC-44AA-BBC4-EAE8617A2EE6}"/>
                   </a:ext>
                 </a:extLst>
               </p:cNvPr>
@@ -3462,7 +3461,7 @@
             </p:blipFill>
             <p:spPr>
               <a:xfrm rot="5400000">
-                <a:off x="9580681" y="1677790"/>
+                <a:off x="6573759" y="586150"/>
                 <a:ext cx="2520000" cy="2050277"/>
               </a:xfrm>
               <a:prstGeom prst="rect">
@@ -3472,14 +3471,131 @@
           </p:pic>
         </mc:Fallback>
       </mc:AlternateContent>
-      <mc:AlternateContent xmlns:mc="http://schemas.openxmlformats.org/markup-compatibility/2006" xmlns:am3d="http://schemas.microsoft.com/office/drawing/2017/model3d">
-        <mc:Choice Requires="am3d">
+      <p:cxnSp>
+        <p:nvCxnSpPr>
+          <p:cNvPr id="3" name="Conexão reta 2">
+            <a:extLst>
+              <a:ext uri="{FF2B5EF4-FFF2-40B4-BE49-F238E27FC236}">
+                <a16:creationId xmlns:a16="http://schemas.microsoft.com/office/drawing/2014/main" id="{F95A2B74-9ACA-42F4-A1A1-9B30613C379F}"/>
+              </a:ext>
+            </a:extLst>
+          </p:cNvPr>
+          <p:cNvCxnSpPr>
+            <a:cxnSpLocks/>
+          </p:cNvCxnSpPr>
+          <p:nvPr/>
+        </p:nvCxnSpPr>
+        <p:spPr>
+          <a:xfrm>
+            <a:off x="123825" y="1550293"/>
+            <a:ext cx="7337125" cy="0"/>
+          </a:xfrm>
+          <a:prstGeom prst="line">
+            <a:avLst/>
+          </a:prstGeom>
+          <a:ln w="127000"/>
+        </p:spPr>
+        <p:style>
+          <a:lnRef idx="3">
+            <a:schemeClr val="accent4"/>
+          </a:lnRef>
+          <a:fillRef idx="0">
+            <a:schemeClr val="accent4"/>
+          </a:fillRef>
+          <a:effectRef idx="2">
+            <a:schemeClr val="accent4"/>
+          </a:effectRef>
+          <a:fontRef idx="minor">
+            <a:schemeClr val="tx1"/>
+          </a:fontRef>
+        </p:style>
+      </p:cxnSp>
+      <p:sp>
+        <p:nvSpPr>
+          <p:cNvPr id="20" name="CaixaDeTexto 19">
+            <a:extLst>
+              <a:ext uri="{FF2B5EF4-FFF2-40B4-BE49-F238E27FC236}">
+                <a16:creationId xmlns:a16="http://schemas.microsoft.com/office/drawing/2014/main" id="{113032DB-9315-46C6-B6A2-24EC794EE825}"/>
+              </a:ext>
+            </a:extLst>
+          </p:cNvPr>
+          <p:cNvSpPr txBox="1"/>
+          <p:nvPr/>
+        </p:nvSpPr>
+        <p:spPr>
+          <a:xfrm>
+            <a:off x="6107787" y="446538"/>
+            <a:ext cx="700833" cy="707886"/>
+          </a:xfrm>
+          <a:prstGeom prst="rect">
+            <a:avLst/>
+          </a:prstGeom>
+          <a:noFill/>
+        </p:spPr>
+        <p:txBody>
+          <a:bodyPr wrap="none" rtlCol="0">
+            <a:spAutoFit/>
+          </a:bodyPr>
+          <a:lstStyle/>
+          <a:p>
+            <a:r>
+              <a:rPr lang="en-GB" sz="4000" b="1" dirty="0"/>
+              <a:t>D</a:t>
+            </a:r>
+            <a:r>
+              <a:rPr lang="en-GB" sz="4000" b="1" baseline="-25000" dirty="0"/>
+              <a:t>B</a:t>
+            </a:r>
+          </a:p>
+        </p:txBody>
+      </p:sp>
+      <p:sp>
+        <p:nvSpPr>
+          <p:cNvPr id="23" name="CaixaDeTexto 22">
+            <a:extLst>
+              <a:ext uri="{FF2B5EF4-FFF2-40B4-BE49-F238E27FC236}">
+                <a16:creationId xmlns:a16="http://schemas.microsoft.com/office/drawing/2014/main" id="{C1A4275B-C5D6-48B3-9919-735C4C92EC54}"/>
+              </a:ext>
+            </a:extLst>
+          </p:cNvPr>
+          <p:cNvSpPr txBox="1"/>
+          <p:nvPr/>
+        </p:nvSpPr>
+        <p:spPr>
+          <a:xfrm>
+            <a:off x="10548705" y="1653279"/>
+            <a:ext cx="979755" cy="707886"/>
+          </a:xfrm>
+          <a:prstGeom prst="rect">
+            <a:avLst/>
+          </a:prstGeom>
+          <a:noFill/>
+        </p:spPr>
+        <p:txBody>
+          <a:bodyPr wrap="none" rtlCol="0">
+            <a:spAutoFit/>
+          </a:bodyPr>
+          <a:lstStyle/>
+          <a:p>
+            <a:r>
+              <a:rPr lang="en-GB" sz="4000" b="1" dirty="0"/>
+              <a:t>D</a:t>
+            </a:r>
+            <a:r>
+              <a:rPr lang="en-GB" sz="4000" b="1" baseline="-25000" dirty="0"/>
+              <a:t>M1</a:t>
+            </a:r>
+          </a:p>
+        </p:txBody>
+      </p:sp>
+      <mc:AlternateContent xmlns:mc="http://schemas.openxmlformats.org/markup-compatibility/2006">
+        <mc:Choice xmlns:am3d="http://schemas.microsoft.com/office/drawing/2017/model3d" Requires="am3d">
           <p:graphicFrame>
             <p:nvGraphicFramePr>
-              <p:cNvPr id="8" name="Modelo 3D 7" descr="Hemisfério Cinza-Escuro">
+              <p:cNvPr id="25" name="Modelo 3D 24" descr="Hemisfério Cinza-Escuro">
                 <a:extLst>
                   <a:ext uri="{FF2B5EF4-FFF2-40B4-BE49-F238E27FC236}">
-                    <a16:creationId xmlns:a16="http://schemas.microsoft.com/office/drawing/2014/main" id="{EFF03A91-F0CC-44AA-BBC4-EAE8617A2EE6}"/>
+                    <a16:creationId xmlns:a16="http://schemas.microsoft.com/office/drawing/2014/main" id="{894AF92E-0CF4-4391-B750-D1724C70D06C}"/>
                   </a:ext>
                 </a:extLst>
               </p:cNvPr>
@@ -3489,14 +3605,14 @@
               <p:nvPr>
                 <p:extLst>
                   <p:ext uri="{D42A27DB-BD31-4B8C-83A1-F6EECF244321}">
-                    <p14:modId xmlns:p14="http://schemas.microsoft.com/office/powerpoint/2010/main" val="3088672489"/>
+                    <p14:modId xmlns:p14="http://schemas.microsoft.com/office/powerpoint/2010/main" val="3213751894"/>
                   </p:ext>
                 </p:extLst>
               </p:nvPr>
             </p:nvGraphicFramePr>
             <p:xfrm rot="5400000">
-              <a:off x="5745084" y="319450"/>
-              <a:ext cx="2520000" cy="2050277"/>
+              <a:off x="9212003" y="4817052"/>
+              <a:ext cx="2490233" cy="1510146"/>
             </p:xfrm>
             <a:graphic>
               <a:graphicData uri="http://schemas.microsoft.com/office/drawing/2017/model3d">
@@ -3504,7 +3620,7 @@
                   <am3d:spPr>
                     <a:xfrm rot="5400000">
                       <a:off x="0" y="0"/>
-                      <a:ext cx="2520000" cy="2050277"/>
+                      <a:ext cx="2490233" cy="1510146"/>
                     </a:xfrm>
                     <a:prstGeom prst="rect">
                       <a:avLst/>
@@ -3524,11 +3640,11 @@
                       <am3d:sy n="1000000" d="1000000"/>
                       <am3d:sz n="1000000" d="1000000"/>
                     </am3d:scale>
-                    <am3d:rot ax="-7273096" ay="2602264" az="-7885772"/>
+                    <am3d:rot ax="20400000"/>
                     <am3d:postTrans dx="0" dy="0" dz="0"/>
                   </am3d:trans>
                   <am3d:raster rName="Office3DRenderer" rVer="16.0.8326">
-                    <am3d:blip r:embed="rId3"/>
+                    <am3d:blip r:embed="rId4"/>
                   </am3d:raster>
                   <am3d:objViewport viewportSz="3611788"/>
                   <am3d:ambientLight>
@@ -3563,13 +3679,13 @@
             </a:graphic>
           </p:graphicFrame>
         </mc:Choice>
-        <mc:Fallback xmlns="">
+        <mc:Fallback>
           <p:pic>
             <p:nvPicPr>
-              <p:cNvPr id="8" name="Modelo 3D 7" descr="Hemisfério Cinza-Escuro">
+              <p:cNvPr id="25" name="Modelo 3D 24" descr="Hemisfério Cinza-Escuro">
                 <a:extLst>
                   <a:ext uri="{FF2B5EF4-FFF2-40B4-BE49-F238E27FC236}">
-                    <a16:creationId xmlns:a16="http://schemas.microsoft.com/office/drawing/2014/main" id="{EFF03A91-F0CC-44AA-BBC4-EAE8617A2EE6}"/>
+                    <a16:creationId xmlns:a16="http://schemas.microsoft.com/office/drawing/2014/main" id="{894AF92E-0CF4-4391-B750-D1724C70D06C}"/>
                   </a:ext>
                 </a:extLst>
               </p:cNvPr>
@@ -3586,8 +3702,8 @@
             </p:blipFill>
             <p:spPr>
               <a:xfrm rot="5400000">
-                <a:off x="5745084" y="319450"/>
-                <a:ext cx="2520000" cy="2050277"/>
+                <a:off x="9212003" y="4817052"/>
+                <a:ext cx="2490233" cy="1510146"/>
               </a:xfrm>
               <a:prstGeom prst="rect">
                 <a:avLst/>
@@ -3596,475 +3712,14 @@
           </p:pic>
         </mc:Fallback>
       </mc:AlternateContent>
-      <p:sp>
-        <p:nvSpPr>
-          <p:cNvPr id="18" name="CaixaDeTexto 17">
-            <a:extLst>
-              <a:ext uri="{FF2B5EF4-FFF2-40B4-BE49-F238E27FC236}">
-                <a16:creationId xmlns:a16="http://schemas.microsoft.com/office/drawing/2014/main" id="{D2687353-C682-45B3-AE3A-9642BC8482FF}"/>
-              </a:ext>
-            </a:extLst>
-          </p:cNvPr>
-          <p:cNvSpPr txBox="1"/>
-          <p:nvPr/>
-        </p:nvSpPr>
-        <p:spPr>
-          <a:xfrm>
-            <a:off x="1363078" y="4556526"/>
-            <a:ext cx="2918299" cy="707886"/>
-          </a:xfrm>
-          <a:prstGeom prst="rect">
-            <a:avLst/>
-          </a:prstGeom>
-          <a:noFill/>
-        </p:spPr>
-        <p:txBody>
-          <a:bodyPr wrap="none" rtlCol="0">
-            <a:spAutoFit/>
-          </a:bodyPr>
-          <a:lstStyle/>
-          <a:p>
-            <a:r>
-              <a:rPr lang="en-GB" sz="4000" b="1" dirty="0" err="1"/>
-              <a:t>Beamsplitter</a:t>
-            </a:r>
-            <a:endParaRPr lang="en-GB" sz="4000" b="1" dirty="0"/>
-          </a:p>
-        </p:txBody>
-      </p:sp>
-      <p:sp>
-        <p:nvSpPr>
-          <p:cNvPr id="19" name="CaixaDeTexto 18">
-            <a:extLst>
-              <a:ext uri="{FF2B5EF4-FFF2-40B4-BE49-F238E27FC236}">
-                <a16:creationId xmlns:a16="http://schemas.microsoft.com/office/drawing/2014/main" id="{5CDDC7F4-AD77-4527-B346-621745C88054}"/>
-              </a:ext>
-            </a:extLst>
-          </p:cNvPr>
-          <p:cNvSpPr txBox="1"/>
-          <p:nvPr/>
-        </p:nvSpPr>
-        <p:spPr>
-          <a:xfrm>
-            <a:off x="5926207" y="5044727"/>
-            <a:ext cx="1350050" cy="707886"/>
-          </a:xfrm>
-          <a:prstGeom prst="rect">
-            <a:avLst/>
-          </a:prstGeom>
-          <a:noFill/>
-        </p:spPr>
-        <p:txBody>
-          <a:bodyPr wrap="none" rtlCol="0">
-            <a:spAutoFit/>
-          </a:bodyPr>
-          <a:lstStyle/>
-          <a:p>
-            <a:r>
-              <a:rPr lang="en-GB" sz="4000" b="1" dirty="0"/>
-              <a:t>UMZI</a:t>
-            </a:r>
-          </a:p>
-        </p:txBody>
-      </p:sp>
-      <p:sp>
-        <p:nvSpPr>
-          <p:cNvPr id="20" name="CaixaDeTexto 19">
-            <a:extLst>
-              <a:ext uri="{FF2B5EF4-FFF2-40B4-BE49-F238E27FC236}">
-                <a16:creationId xmlns:a16="http://schemas.microsoft.com/office/drawing/2014/main" id="{113032DB-9315-46C6-B6A2-24EC794EE825}"/>
-              </a:ext>
-            </a:extLst>
-          </p:cNvPr>
-          <p:cNvSpPr txBox="1"/>
-          <p:nvPr/>
-        </p:nvSpPr>
-        <p:spPr>
-          <a:xfrm>
-            <a:off x="4899839" y="84588"/>
-            <a:ext cx="1196161" cy="707886"/>
-          </a:xfrm>
-          <a:prstGeom prst="rect">
-            <a:avLst/>
-          </a:prstGeom>
-          <a:noFill/>
-        </p:spPr>
-        <p:txBody>
-          <a:bodyPr wrap="none" rtlCol="0">
-            <a:spAutoFit/>
-          </a:bodyPr>
-          <a:lstStyle/>
-          <a:p>
-            <a:r>
-              <a:rPr lang="en-GB" sz="4000" b="1" dirty="0"/>
-              <a:t>SPD</a:t>
-            </a:r>
-            <a:r>
-              <a:rPr lang="en-GB" sz="4000" b="1" baseline="-25000" dirty="0"/>
-              <a:t>1</a:t>
-            </a:r>
-          </a:p>
-        </p:txBody>
-      </p:sp>
-      <p:sp>
-        <p:nvSpPr>
-          <p:cNvPr id="17" name="Arco 16">
-            <a:extLst>
-              <a:ext uri="{FF2B5EF4-FFF2-40B4-BE49-F238E27FC236}">
-                <a16:creationId xmlns:a16="http://schemas.microsoft.com/office/drawing/2014/main" id="{29725C81-5BB3-490E-9F6C-76171678815C}"/>
-              </a:ext>
-            </a:extLst>
-          </p:cNvPr>
-          <p:cNvSpPr/>
-          <p:nvPr/>
-        </p:nvSpPr>
-        <p:spPr>
-          <a:xfrm>
-            <a:off x="-2654434" y="3008355"/>
-            <a:ext cx="6295910" cy="1286864"/>
-          </a:xfrm>
-          <a:prstGeom prst="arc">
-            <a:avLst>
-              <a:gd name="adj1" fmla="val 12374148"/>
-              <a:gd name="adj2" fmla="val 20283640"/>
-            </a:avLst>
-          </a:prstGeom>
-          <a:ln w="76200">
-            <a:solidFill>
-              <a:schemeClr val="accent4"/>
-            </a:solidFill>
-          </a:ln>
-        </p:spPr>
-        <p:style>
-          <a:lnRef idx="1">
-            <a:schemeClr val="accent1"/>
-          </a:lnRef>
-          <a:fillRef idx="0">
-            <a:schemeClr val="accent1"/>
-          </a:fillRef>
-          <a:effectRef idx="0">
-            <a:schemeClr val="accent1"/>
-          </a:effectRef>
-          <a:fontRef idx="minor">
-            <a:schemeClr val="tx1"/>
-          </a:fontRef>
-        </p:style>
-        <p:txBody>
-          <a:bodyPr rtlCol="0" anchor="ctr"/>
-          <a:lstStyle/>
-          <a:p>
-            <a:pPr algn="ctr"/>
-            <a:endParaRPr lang="en-GB"/>
-          </a:p>
-        </p:txBody>
-      </p:sp>
-      <p:sp>
-        <p:nvSpPr>
-          <p:cNvPr id="12" name="Arco 11">
-            <a:extLst>
-              <a:ext uri="{FF2B5EF4-FFF2-40B4-BE49-F238E27FC236}">
-                <a16:creationId xmlns:a16="http://schemas.microsoft.com/office/drawing/2014/main" id="{61FE3538-256F-4B3D-B566-C2A466A9F870}"/>
-              </a:ext>
-            </a:extLst>
-          </p:cNvPr>
-          <p:cNvSpPr/>
-          <p:nvPr/>
-        </p:nvSpPr>
-        <p:spPr>
-          <a:xfrm rot="20774366">
-            <a:off x="3424408" y="1308069"/>
-            <a:ext cx="6295910" cy="1529597"/>
-          </a:xfrm>
-          <a:prstGeom prst="arc">
-            <a:avLst>
-              <a:gd name="adj1" fmla="val 10798193"/>
-              <a:gd name="adj2" fmla="val 17691456"/>
-            </a:avLst>
-          </a:prstGeom>
-          <a:ln w="76200">
-            <a:solidFill>
-              <a:schemeClr val="accent4"/>
-            </a:solidFill>
-          </a:ln>
-        </p:spPr>
-        <p:style>
-          <a:lnRef idx="1">
-            <a:schemeClr val="accent1"/>
-          </a:lnRef>
-          <a:fillRef idx="0">
-            <a:schemeClr val="accent1"/>
-          </a:fillRef>
-          <a:effectRef idx="0">
-            <a:schemeClr val="accent1"/>
-          </a:effectRef>
-          <a:fontRef idx="minor">
-            <a:schemeClr val="tx1"/>
-          </a:fontRef>
-        </p:style>
-        <p:txBody>
-          <a:bodyPr rtlCol="0" anchor="ctr"/>
-          <a:lstStyle/>
-          <a:p>
-            <a:pPr algn="ctr"/>
-            <a:endParaRPr lang="en-GB"/>
-          </a:p>
-        </p:txBody>
-      </p:sp>
-      <p:sp>
-        <p:nvSpPr>
-          <p:cNvPr id="13" name="Arco 12">
-            <a:extLst>
-              <a:ext uri="{FF2B5EF4-FFF2-40B4-BE49-F238E27FC236}">
-                <a16:creationId xmlns:a16="http://schemas.microsoft.com/office/drawing/2014/main" id="{32B2152E-7383-40FF-BD75-D911A71BD11F}"/>
-              </a:ext>
-            </a:extLst>
-          </p:cNvPr>
-          <p:cNvSpPr/>
-          <p:nvPr/>
-        </p:nvSpPr>
-        <p:spPr>
-          <a:xfrm rot="825634" flipH="1">
-            <a:off x="3437578" y="3358660"/>
-            <a:ext cx="1660020" cy="586254"/>
-          </a:xfrm>
-          <a:prstGeom prst="arc">
-            <a:avLst>
-              <a:gd name="adj1" fmla="val 10798193"/>
-              <a:gd name="adj2" fmla="val 0"/>
-            </a:avLst>
-          </a:prstGeom>
-          <a:ln w="76200">
-            <a:solidFill>
-              <a:schemeClr val="accent4"/>
-            </a:solidFill>
-          </a:ln>
-        </p:spPr>
-        <p:style>
-          <a:lnRef idx="3">
-            <a:schemeClr val="accent5"/>
-          </a:lnRef>
-          <a:fillRef idx="0">
-            <a:schemeClr val="accent5"/>
-          </a:fillRef>
-          <a:effectRef idx="2">
-            <a:schemeClr val="accent5"/>
-          </a:effectRef>
-          <a:fontRef idx="minor">
-            <a:schemeClr val="tx1"/>
-          </a:fontRef>
-        </p:style>
-        <p:txBody>
-          <a:bodyPr rtlCol="0" anchor="ctr"/>
-          <a:lstStyle/>
-          <a:p>
-            <a:pPr algn="ctr"/>
-            <a:endParaRPr lang="en-GB"/>
-          </a:p>
-        </p:txBody>
-      </p:sp>
-      <p:sp>
-        <p:nvSpPr>
-          <p:cNvPr id="14" name="Arco 13">
-            <a:extLst>
-              <a:ext uri="{FF2B5EF4-FFF2-40B4-BE49-F238E27FC236}">
-                <a16:creationId xmlns:a16="http://schemas.microsoft.com/office/drawing/2014/main" id="{BB842D6D-6676-4B6B-BB2A-A21BB1A54F0C}"/>
-              </a:ext>
-            </a:extLst>
-          </p:cNvPr>
-          <p:cNvSpPr/>
-          <p:nvPr/>
-        </p:nvSpPr>
-        <p:spPr>
-          <a:xfrm flipH="1">
-            <a:off x="5037858" y="3293516"/>
-            <a:ext cx="3297717" cy="1329110"/>
-          </a:xfrm>
-          <a:prstGeom prst="arc">
-            <a:avLst>
-              <a:gd name="adj1" fmla="val 10798193"/>
-              <a:gd name="adj2" fmla="val 10794614"/>
-            </a:avLst>
-          </a:prstGeom>
-          <a:ln w="76200">
-            <a:solidFill>
-              <a:schemeClr val="accent4"/>
-            </a:solidFill>
-          </a:ln>
-        </p:spPr>
-        <p:style>
-          <a:lnRef idx="3">
-            <a:schemeClr val="accent5"/>
-          </a:lnRef>
-          <a:fillRef idx="0">
-            <a:schemeClr val="accent5"/>
-          </a:fillRef>
-          <a:effectRef idx="2">
-            <a:schemeClr val="accent5"/>
-          </a:effectRef>
-          <a:fontRef idx="minor">
-            <a:schemeClr val="tx1"/>
-          </a:fontRef>
-        </p:style>
-        <p:txBody>
-          <a:bodyPr rtlCol="0" anchor="ctr"/>
-          <a:lstStyle/>
-          <a:p>
-            <a:pPr algn="ctr"/>
-            <a:endParaRPr lang="en-GB"/>
-          </a:p>
-        </p:txBody>
-      </p:sp>
-      <p:sp>
-        <p:nvSpPr>
-          <p:cNvPr id="15" name="Arco 14">
-            <a:extLst>
-              <a:ext uri="{FF2B5EF4-FFF2-40B4-BE49-F238E27FC236}">
-                <a16:creationId xmlns:a16="http://schemas.microsoft.com/office/drawing/2014/main" id="{53EDD5EE-3E4E-4356-A6A3-57BC36F5B15C}"/>
-              </a:ext>
-            </a:extLst>
-          </p:cNvPr>
-          <p:cNvSpPr/>
-          <p:nvPr/>
-        </p:nvSpPr>
-        <p:spPr>
-          <a:xfrm flipH="1">
-            <a:off x="6376961" y="4622626"/>
-            <a:ext cx="448542" cy="422101"/>
-          </a:xfrm>
-          <a:prstGeom prst="arc">
-            <a:avLst>
-              <a:gd name="adj1" fmla="val 10798193"/>
-              <a:gd name="adj2" fmla="val 10794614"/>
-            </a:avLst>
-          </a:prstGeom>
-          <a:ln w="76200">
-            <a:solidFill>
-              <a:schemeClr val="accent4"/>
-            </a:solidFill>
-          </a:ln>
-        </p:spPr>
-        <p:style>
-          <a:lnRef idx="3">
-            <a:schemeClr val="accent5"/>
-          </a:lnRef>
-          <a:fillRef idx="0">
-            <a:schemeClr val="accent5"/>
-          </a:fillRef>
-          <a:effectRef idx="2">
-            <a:schemeClr val="accent5"/>
-          </a:effectRef>
-          <a:fontRef idx="minor">
-            <a:schemeClr val="tx1"/>
-          </a:fontRef>
-        </p:style>
-        <p:txBody>
-          <a:bodyPr rtlCol="0" anchor="ctr"/>
-          <a:lstStyle/>
-          <a:p>
-            <a:pPr algn="ctr"/>
-            <a:endParaRPr lang="en-GB"/>
-          </a:p>
-        </p:txBody>
-      </p:sp>
-      <p:sp>
-        <p:nvSpPr>
-          <p:cNvPr id="21" name="Arco 20">
-            <a:extLst>
-              <a:ext uri="{FF2B5EF4-FFF2-40B4-BE49-F238E27FC236}">
-                <a16:creationId xmlns:a16="http://schemas.microsoft.com/office/drawing/2014/main" id="{86C7DDEC-64C6-46D9-B950-E14669BE192E}"/>
-              </a:ext>
-            </a:extLst>
-          </p:cNvPr>
-          <p:cNvSpPr/>
-          <p:nvPr/>
-        </p:nvSpPr>
-        <p:spPr>
-          <a:xfrm rot="20011507" flipH="1" flipV="1">
-            <a:off x="7028674" y="2137258"/>
-            <a:ext cx="3614669" cy="1735618"/>
-          </a:xfrm>
-          <a:prstGeom prst="arc">
-            <a:avLst>
-              <a:gd name="adj1" fmla="val 11525221"/>
-              <a:gd name="adj2" fmla="val 19332528"/>
-            </a:avLst>
-          </a:prstGeom>
-          <a:ln w="76200">
-            <a:solidFill>
-              <a:schemeClr val="accent4"/>
-            </a:solidFill>
-          </a:ln>
-        </p:spPr>
-        <p:style>
-          <a:lnRef idx="3">
-            <a:schemeClr val="accent5"/>
-          </a:lnRef>
-          <a:fillRef idx="0">
-            <a:schemeClr val="accent5"/>
-          </a:fillRef>
-          <a:effectRef idx="2">
-            <a:schemeClr val="accent5"/>
-          </a:effectRef>
-          <a:fontRef idx="minor">
-            <a:schemeClr val="tx1"/>
-          </a:fontRef>
-        </p:style>
-        <p:txBody>
-          <a:bodyPr rtlCol="0" anchor="ctr"/>
-          <a:lstStyle/>
-          <a:p>
-            <a:pPr algn="ctr"/>
-            <a:endParaRPr lang="en-GB"/>
-          </a:p>
-        </p:txBody>
-      </p:sp>
-      <p:sp>
-        <p:nvSpPr>
-          <p:cNvPr id="23" name="CaixaDeTexto 22">
-            <a:extLst>
-              <a:ext uri="{FF2B5EF4-FFF2-40B4-BE49-F238E27FC236}">
-                <a16:creationId xmlns:a16="http://schemas.microsoft.com/office/drawing/2014/main" id="{C1A4275B-C5D6-48B3-9919-735C4C92EC54}"/>
-              </a:ext>
-            </a:extLst>
-          </p:cNvPr>
-          <p:cNvSpPr txBox="1"/>
-          <p:nvPr/>
-        </p:nvSpPr>
-        <p:spPr>
-          <a:xfrm>
-            <a:off x="8918912" y="1068602"/>
-            <a:ext cx="1196161" cy="707886"/>
-          </a:xfrm>
-          <a:prstGeom prst="rect">
-            <a:avLst/>
-          </a:prstGeom>
-          <a:noFill/>
-        </p:spPr>
-        <p:txBody>
-          <a:bodyPr wrap="none" rtlCol="0">
-            <a:spAutoFit/>
-          </a:bodyPr>
-          <a:lstStyle/>
-          <a:p>
-            <a:r>
-              <a:rPr lang="en-GB" sz="4000" b="1" dirty="0"/>
-              <a:t>SPD</a:t>
-            </a:r>
-            <a:r>
-              <a:rPr lang="en-GB" sz="4000" b="1" baseline="-25000" dirty="0"/>
-              <a:t>2</a:t>
-            </a:r>
-          </a:p>
-        </p:txBody>
-      </p:sp>
-      <mc:AlternateContent xmlns:mc="http://schemas.openxmlformats.org/markup-compatibility/2006" xmlns:am3d="http://schemas.microsoft.com/office/drawing/2017/model3d">
-        <mc:Choice Requires="am3d">
+      <mc:AlternateContent xmlns:mc="http://schemas.openxmlformats.org/markup-compatibility/2006">
+        <mc:Choice xmlns:am3d="http://schemas.microsoft.com/office/drawing/2017/model3d" Requires="am3d">
           <p:graphicFrame>
             <p:nvGraphicFramePr>
-              <p:cNvPr id="7" name="Modelo 3D 6" descr="Beam">
+              <p:cNvPr id="29" name="Modelo 3D 28" descr="Hemisfério Cinza-Escuro">
                 <a:extLst>
                   <a:ext uri="{FF2B5EF4-FFF2-40B4-BE49-F238E27FC236}">
-                    <a16:creationId xmlns:a16="http://schemas.microsoft.com/office/drawing/2014/main" id="{89BBA01E-727C-483D-8EF0-EE2062EE90C6}"/>
+                    <a16:creationId xmlns:a16="http://schemas.microsoft.com/office/drawing/2014/main" id="{B959F5D9-54F0-4C72-A28E-84E274906172}"/>
                   </a:ext>
                 </a:extLst>
               </p:cNvPr>
@@ -4074,48 +3729,48 @@
               <p:nvPr>
                 <p:extLst>
                   <p:ext uri="{D42A27DB-BD31-4B8C-83A1-F6EECF244321}">
-                    <p14:modId xmlns:p14="http://schemas.microsoft.com/office/powerpoint/2010/main" val="1073746029"/>
+                    <p14:modId xmlns:p14="http://schemas.microsoft.com/office/powerpoint/2010/main" val="1831516758"/>
                   </p:ext>
                 </p:extLst>
               </p:nvPr>
             </p:nvGraphicFramePr>
-            <p:xfrm>
-              <a:off x="1498449" y="1816983"/>
-              <a:ext cx="2640123" cy="2739543"/>
+            <p:xfrm rot="5400000">
+              <a:off x="9015573" y="2231292"/>
+              <a:ext cx="2490233" cy="1510146"/>
             </p:xfrm>
             <a:graphic>
               <a:graphicData uri="http://schemas.microsoft.com/office/drawing/2017/model3d">
-                <am3d:model3d r:embed="rId5">
+                <am3d:model3d r:embed="rId2">
                   <am3d:spPr>
-                    <a:xfrm>
+                    <a:xfrm rot="5400000">
                       <a:off x="0" y="0"/>
-                      <a:ext cx="2640123" cy="2739543"/>
+                      <a:ext cx="2490233" cy="1510146"/>
                     </a:xfrm>
                     <a:prstGeom prst="rect">
                       <a:avLst/>
                     </a:prstGeom>
                   </am3d:spPr>
                   <am3d:camera>
-                    <am3d:pos x="0" y="0" z="81469193"/>
+                    <am3d:pos x="0" y="0" z="70522459"/>
                     <am3d:up dx="0" dy="36000000" dz="0"/>
                     <am3d:lookAt x="0" y="0" z="0"/>
                     <am3d:perspective fov="2700000"/>
                   </am3d:camera>
                   <am3d:trans>
-                    <am3d:meterPerModelUnit n="7140529" d="1000000"/>
-                    <am3d:preTrans dx="0" dy="-17999995" dz="5866"/>
+                    <am3d:meterPerModelUnit n="6553073" d="1000000"/>
+                    <am3d:preTrans dx="9" dy="-8999683" dz="-344461"/>
                     <am3d:scale>
                       <am3d:sx n="1000000" d="1000000"/>
                       <am3d:sy n="1000000" d="1000000"/>
                       <am3d:sz n="1000000" d="1000000"/>
                     </am3d:scale>
-                    <am3d:rot ax="16200000" ay="18000000" az="5400000"/>
+                    <am3d:rot ax="20400000"/>
                     <am3d:postTrans dx="0" dy="0" dz="0"/>
                   </am3d:trans>
                   <am3d:raster rName="Office3DRenderer" rVer="16.0.8326">
-                    <am3d:blip r:embed="rId6"/>
+                    <am3d:blip r:embed="rId4"/>
                   </am3d:raster>
-                  <am3d:objViewport viewportSz="3455743"/>
+                  <am3d:objViewport viewportSz="3611788"/>
                   <am3d:ambientLight>
                     <am3d:clr>
                       <a:scrgbClr r="50000" g="50000" b="50000"/>
@@ -4148,682 +3803,13 @@
             </a:graphic>
           </p:graphicFrame>
         </mc:Choice>
-        <mc:Fallback xmlns="">
+        <mc:Fallback>
           <p:pic>
             <p:nvPicPr>
-              <p:cNvPr id="7" name="Modelo 3D 6" descr="Beam">
+              <p:cNvPr id="29" name="Modelo 3D 28" descr="Hemisfério Cinza-Escuro">
                 <a:extLst>
                   <a:ext uri="{FF2B5EF4-FFF2-40B4-BE49-F238E27FC236}">
-                    <a16:creationId xmlns:a16="http://schemas.microsoft.com/office/drawing/2014/main" id="{89BBA01E-727C-483D-8EF0-EE2062EE90C6}"/>
-                  </a:ext>
-                </a:extLst>
-              </p:cNvPr>
-              <p:cNvPicPr>
-                <a:picLocks noGrp="1" noRot="1" noChangeAspect="1" noMove="1" noResize="1" noEditPoints="1" noAdjustHandles="1" noChangeArrowheads="1" noChangeShapeType="1" noCrop="1"/>
-              </p:cNvPicPr>
-              <p:nvPr/>
-            </p:nvPicPr>
-            <p:blipFill>
-              <a:blip r:embed="rId7"/>
-              <a:stretch>
-                <a:fillRect/>
-              </a:stretch>
-            </p:blipFill>
-            <p:spPr>
-              <a:xfrm>
-                <a:off x="1498449" y="1816983"/>
-                <a:ext cx="2640123" cy="2739543"/>
-              </a:xfrm>
-              <a:prstGeom prst="rect">
-                <a:avLst/>
-              </a:prstGeom>
-            </p:spPr>
-          </p:pic>
-        </mc:Fallback>
-      </mc:AlternateContent>
-      <p:sp>
-        <p:nvSpPr>
-          <p:cNvPr id="16" name="CaixaDeTexto 15">
-            <a:extLst>
-              <a:ext uri="{FF2B5EF4-FFF2-40B4-BE49-F238E27FC236}">
-                <a16:creationId xmlns:a16="http://schemas.microsoft.com/office/drawing/2014/main" id="{F09C9B82-AAD8-4ED2-BE81-7DBC95ACA61D}"/>
-              </a:ext>
-            </a:extLst>
-          </p:cNvPr>
-          <p:cNvSpPr txBox="1"/>
-          <p:nvPr/>
-        </p:nvSpPr>
-        <p:spPr>
-          <a:xfrm>
-            <a:off x="49650" y="25500"/>
-            <a:ext cx="3642407" cy="707886"/>
-          </a:xfrm>
-          <a:prstGeom prst="rect">
-            <a:avLst/>
-          </a:prstGeom>
-          <a:noFill/>
-        </p:spPr>
-        <p:txBody>
-          <a:bodyPr wrap="none" rtlCol="0">
-            <a:spAutoFit/>
-          </a:bodyPr>
-          <a:lstStyle/>
-          <a:p>
-            <a:r>
-              <a:rPr lang="en-GB" sz="4000" b="1" dirty="0"/>
-              <a:t>Bob’s Apparatus</a:t>
-            </a:r>
-            <a:endParaRPr lang="en-GB" sz="4000" b="1" baseline="-25000" dirty="0"/>
-          </a:p>
-        </p:txBody>
-      </p:sp>
-      <p:sp>
-        <p:nvSpPr>
-          <p:cNvPr id="22" name="CaixaDeTexto 21">
-            <a:extLst>
-              <a:ext uri="{FF2B5EF4-FFF2-40B4-BE49-F238E27FC236}">
-                <a16:creationId xmlns:a16="http://schemas.microsoft.com/office/drawing/2014/main" id="{1A279653-7C21-4CC7-9CBD-7578234E7B14}"/>
-              </a:ext>
-            </a:extLst>
-          </p:cNvPr>
-          <p:cNvSpPr txBox="1"/>
-          <p:nvPr/>
-        </p:nvSpPr>
-        <p:spPr>
-          <a:xfrm>
-            <a:off x="4093535" y="2938809"/>
-            <a:ext cx="720069" cy="461665"/>
-          </a:xfrm>
-          <a:prstGeom prst="rect">
-            <a:avLst/>
-          </a:prstGeom>
-          <a:noFill/>
-        </p:spPr>
-        <p:txBody>
-          <a:bodyPr wrap="none" rtlCol="0">
-            <a:spAutoFit/>
-          </a:bodyPr>
-          <a:lstStyle/>
-          <a:p>
-            <a:r>
-              <a:rPr lang="en-GB" sz="2400" b="1" dirty="0"/>
-              <a:t>10%</a:t>
-            </a:r>
-          </a:p>
-        </p:txBody>
-      </p:sp>
-      <p:sp>
-        <p:nvSpPr>
-          <p:cNvPr id="24" name="CaixaDeTexto 23">
-            <a:extLst>
-              <a:ext uri="{FF2B5EF4-FFF2-40B4-BE49-F238E27FC236}">
-                <a16:creationId xmlns:a16="http://schemas.microsoft.com/office/drawing/2014/main" id="{65031747-2074-4596-ADF1-1281F61565DE}"/>
-              </a:ext>
-            </a:extLst>
-          </p:cNvPr>
-          <p:cNvSpPr txBox="1"/>
-          <p:nvPr/>
-        </p:nvSpPr>
-        <p:spPr>
-          <a:xfrm>
-            <a:off x="4009648" y="2165668"/>
-            <a:ext cx="720069" cy="461665"/>
-          </a:xfrm>
-          <a:prstGeom prst="rect">
-            <a:avLst/>
-          </a:prstGeom>
-          <a:noFill/>
-        </p:spPr>
-        <p:txBody>
-          <a:bodyPr wrap="none" rtlCol="0">
-            <a:spAutoFit/>
-          </a:bodyPr>
-          <a:lstStyle/>
-          <a:p>
-            <a:r>
-              <a:rPr lang="en-GB" sz="2400" b="1" dirty="0"/>
-              <a:t>90%</a:t>
-            </a:r>
-          </a:p>
-        </p:txBody>
-      </p:sp>
-      <p:sp>
-        <p:nvSpPr>
-          <p:cNvPr id="26" name="Arco 25">
-            <a:extLst>
-              <a:ext uri="{FF2B5EF4-FFF2-40B4-BE49-F238E27FC236}">
-                <a16:creationId xmlns:a16="http://schemas.microsoft.com/office/drawing/2014/main" id="{9F95BE01-3760-47EA-9481-A8D35F1B6C80}"/>
-              </a:ext>
-            </a:extLst>
-          </p:cNvPr>
-          <p:cNvSpPr/>
-          <p:nvPr/>
-        </p:nvSpPr>
-        <p:spPr>
-          <a:xfrm rot="20774366" flipH="1" flipV="1">
-            <a:off x="3233669" y="3764945"/>
-            <a:ext cx="1852002" cy="579635"/>
-          </a:xfrm>
-          <a:prstGeom prst="arc">
-            <a:avLst>
-              <a:gd name="adj1" fmla="val 10798193"/>
-              <a:gd name="adj2" fmla="val 13819012"/>
-            </a:avLst>
-          </a:prstGeom>
-          <a:ln w="76200">
-            <a:solidFill>
-              <a:schemeClr val="accent4"/>
-            </a:solidFill>
-          </a:ln>
-        </p:spPr>
-        <p:style>
-          <a:lnRef idx="3">
-            <a:schemeClr val="accent5"/>
-          </a:lnRef>
-          <a:fillRef idx="0">
-            <a:schemeClr val="accent5"/>
-          </a:fillRef>
-          <a:effectRef idx="2">
-            <a:schemeClr val="accent5"/>
-          </a:effectRef>
-          <a:fontRef idx="minor">
-            <a:schemeClr val="tx1"/>
-          </a:fontRef>
-        </p:style>
-        <p:txBody>
-          <a:bodyPr rtlCol="0" anchor="ctr"/>
-          <a:lstStyle/>
-          <a:p>
-            <a:pPr algn="ctr"/>
-            <a:endParaRPr lang="en-GB"/>
-          </a:p>
-        </p:txBody>
-      </p:sp>
-      <p:sp>
-        <p:nvSpPr>
-          <p:cNvPr id="27" name="Arco 26">
-            <a:extLst>
-              <a:ext uri="{FF2B5EF4-FFF2-40B4-BE49-F238E27FC236}">
-                <a16:creationId xmlns:a16="http://schemas.microsoft.com/office/drawing/2014/main" id="{62CF3182-78D1-44CA-85C2-E4164A094065}"/>
-              </a:ext>
-            </a:extLst>
-          </p:cNvPr>
-          <p:cNvSpPr/>
-          <p:nvPr/>
-        </p:nvSpPr>
-        <p:spPr>
-          <a:xfrm rot="1588493" flipH="1">
-            <a:off x="6993494" y="4299599"/>
-            <a:ext cx="3614669" cy="1735618"/>
-          </a:xfrm>
-          <a:prstGeom prst="arc">
-            <a:avLst>
-              <a:gd name="adj1" fmla="val 11525221"/>
-              <a:gd name="adj2" fmla="val 19332528"/>
-            </a:avLst>
-          </a:prstGeom>
-          <a:ln w="76200">
-            <a:solidFill>
-              <a:schemeClr val="accent4"/>
-            </a:solidFill>
-          </a:ln>
-        </p:spPr>
-        <p:style>
-          <a:lnRef idx="3">
-            <a:schemeClr val="accent5"/>
-          </a:lnRef>
-          <a:fillRef idx="0">
-            <a:schemeClr val="accent5"/>
-          </a:fillRef>
-          <a:effectRef idx="2">
-            <a:schemeClr val="accent5"/>
-          </a:effectRef>
-          <a:fontRef idx="minor">
-            <a:schemeClr val="tx1"/>
-          </a:fontRef>
-        </p:style>
-        <p:txBody>
-          <a:bodyPr rtlCol="0" anchor="ctr"/>
-          <a:lstStyle/>
-          <a:p>
-            <a:pPr algn="ctr"/>
-            <a:endParaRPr lang="en-GB"/>
-          </a:p>
-        </p:txBody>
-      </p:sp>
-    </p:spTree>
-    <p:extLst>
-      <p:ext uri="{BB962C8B-B14F-4D97-AF65-F5344CB8AC3E}">
-        <p14:creationId xmlns:p14="http://schemas.microsoft.com/office/powerpoint/2010/main" val="1665577511"/>
-      </p:ext>
-    </p:extLst>
-  </p:cSld>
-  <p:clrMapOvr>
-    <a:masterClrMapping/>
-  </p:clrMapOvr>
-</p:sld>
-</file>
-
-<file path=ppt/slides/slide2.xml><?xml version="1.0" encoding="utf-8"?>
-<p:sld xmlns:a="http://schemas.openxmlformats.org/drawingml/2006/main" xmlns:r="http://schemas.openxmlformats.org/officeDocument/2006/relationships" xmlns:p="http://schemas.openxmlformats.org/presentationml/2006/main">
-  <p:cSld>
-    <p:spTree>
-      <p:nvGrpSpPr>
-        <p:cNvPr id="1" name=""/>
-        <p:cNvGrpSpPr/>
-        <p:nvPr/>
-      </p:nvGrpSpPr>
-      <p:grpSpPr>
-        <a:xfrm>
-          <a:off x="0" y="0"/>
-          <a:ext cx="0" cy="0"/>
-          <a:chOff x="0" y="0"/>
-          <a:chExt cx="0" cy="0"/>
-        </a:xfrm>
-      </p:grpSpPr>
-      <p:sp>
-        <p:nvSpPr>
-          <p:cNvPr id="27" name="Retângulo 26">
-            <a:extLst>
-              <a:ext uri="{FF2B5EF4-FFF2-40B4-BE49-F238E27FC236}">
-                <a16:creationId xmlns:a16="http://schemas.microsoft.com/office/drawing/2014/main" id="{10855063-FB85-4605-A7C1-AA6CB8EEC786}"/>
-              </a:ext>
-            </a:extLst>
-          </p:cNvPr>
-          <p:cNvSpPr/>
-          <p:nvPr/>
-        </p:nvSpPr>
-        <p:spPr>
-          <a:xfrm>
-            <a:off x="870635" y="2794476"/>
-            <a:ext cx="7025679" cy="3059394"/>
-          </a:xfrm>
-          <a:prstGeom prst="rect">
-            <a:avLst/>
-          </a:prstGeom>
-          <a:solidFill>
-            <a:schemeClr val="dk1">
-              <a:alpha val="50000"/>
-            </a:schemeClr>
-          </a:solidFill>
-          <a:ln>
-            <a:noFill/>
-          </a:ln>
-        </p:spPr>
-        <p:style>
-          <a:lnRef idx="0">
-            <a:scrgbClr r="0" g="0" b="0"/>
-          </a:lnRef>
-          <a:fillRef idx="0">
-            <a:scrgbClr r="0" g="0" b="0"/>
-          </a:fillRef>
-          <a:effectRef idx="0">
-            <a:scrgbClr r="0" g="0" b="0"/>
-          </a:effectRef>
-          <a:fontRef idx="minor">
-            <a:schemeClr val="lt1"/>
-          </a:fontRef>
-        </p:style>
-        <p:txBody>
-          <a:bodyPr rtlCol="0" anchor="ctr"/>
-          <a:lstStyle/>
-          <a:p>
-            <a:pPr algn="ctr"/>
-            <a:endParaRPr lang="en-GB" dirty="0"/>
-          </a:p>
-        </p:txBody>
-      </p:sp>
-      <p:sp>
-        <p:nvSpPr>
-          <p:cNvPr id="19" name="CaixaDeTexto 18">
-            <a:extLst>
-              <a:ext uri="{FF2B5EF4-FFF2-40B4-BE49-F238E27FC236}">
-                <a16:creationId xmlns:a16="http://schemas.microsoft.com/office/drawing/2014/main" id="{5CDDC7F4-AD77-4527-B346-621745C88054}"/>
-              </a:ext>
-            </a:extLst>
-          </p:cNvPr>
-          <p:cNvSpPr txBox="1"/>
-          <p:nvPr/>
-        </p:nvSpPr>
-        <p:spPr>
-          <a:xfrm>
-            <a:off x="870635" y="2794475"/>
-            <a:ext cx="2861104" cy="584775"/>
-          </a:xfrm>
-          <a:prstGeom prst="rect">
-            <a:avLst/>
-          </a:prstGeom>
-          <a:noFill/>
-        </p:spPr>
-        <p:txBody>
-          <a:bodyPr wrap="none" rtlCol="0">
-            <a:spAutoFit/>
-          </a:bodyPr>
-          <a:lstStyle/>
-          <a:p>
-            <a:r>
-              <a:rPr lang="en-GB" sz="3200" b="1" dirty="0"/>
-              <a:t>Eve’s Apparatus</a:t>
-            </a:r>
-          </a:p>
-        </p:txBody>
-      </p:sp>
-      <p:sp>
-        <p:nvSpPr>
-          <p:cNvPr id="23" name="CaixaDeTexto 22">
-            <a:extLst>
-              <a:ext uri="{FF2B5EF4-FFF2-40B4-BE49-F238E27FC236}">
-                <a16:creationId xmlns:a16="http://schemas.microsoft.com/office/drawing/2014/main" id="{C1A4275B-C5D6-48B3-9919-735C4C92EC54}"/>
-              </a:ext>
-            </a:extLst>
-          </p:cNvPr>
-          <p:cNvSpPr txBox="1"/>
-          <p:nvPr/>
-        </p:nvSpPr>
-        <p:spPr>
-          <a:xfrm>
-            <a:off x="9145222" y="4751805"/>
-            <a:ext cx="2946063" cy="584775"/>
-          </a:xfrm>
-          <a:prstGeom prst="rect">
-            <a:avLst/>
-          </a:prstGeom>
-          <a:noFill/>
-        </p:spPr>
-        <p:txBody>
-          <a:bodyPr wrap="none" rtlCol="0">
-            <a:spAutoFit/>
-          </a:bodyPr>
-          <a:lstStyle/>
-          <a:p>
-            <a:r>
-              <a:rPr lang="en-GB" sz="3200" b="1" dirty="0"/>
-              <a:t>Bob’s Apparatus</a:t>
-            </a:r>
-            <a:endParaRPr lang="en-GB" sz="3200" b="1" baseline="-25000" dirty="0"/>
-          </a:p>
-        </p:txBody>
-      </p:sp>
-      <p:sp>
-        <p:nvSpPr>
-          <p:cNvPr id="29" name="Arco 28">
-            <a:extLst>
-              <a:ext uri="{FF2B5EF4-FFF2-40B4-BE49-F238E27FC236}">
-                <a16:creationId xmlns:a16="http://schemas.microsoft.com/office/drawing/2014/main" id="{4A3D392B-7738-45F4-8708-760F905462F9}"/>
-              </a:ext>
-            </a:extLst>
-          </p:cNvPr>
-          <p:cNvSpPr/>
-          <p:nvPr/>
-        </p:nvSpPr>
-        <p:spPr>
-          <a:xfrm rot="6985113">
-            <a:off x="2095908" y="839705"/>
-            <a:ext cx="4746140" cy="4641931"/>
-          </a:xfrm>
-          <a:prstGeom prst="arc">
-            <a:avLst>
-              <a:gd name="adj1" fmla="val 15029454"/>
-              <a:gd name="adj2" fmla="val 0"/>
-            </a:avLst>
-          </a:prstGeom>
-          <a:ln w="76200">
-            <a:solidFill>
-              <a:srgbClr val="FF0000"/>
-            </a:solidFill>
-          </a:ln>
-        </p:spPr>
-        <p:style>
-          <a:lnRef idx="1">
-            <a:schemeClr val="accent1"/>
-          </a:lnRef>
-          <a:fillRef idx="0">
-            <a:schemeClr val="accent1"/>
-          </a:fillRef>
-          <a:effectRef idx="0">
-            <a:schemeClr val="accent1"/>
-          </a:effectRef>
-          <a:fontRef idx="minor">
-            <a:schemeClr val="tx1"/>
-          </a:fontRef>
-        </p:style>
-        <p:txBody>
-          <a:bodyPr rtlCol="0" anchor="ctr"/>
-          <a:lstStyle/>
-          <a:p>
-            <a:pPr algn="ctr"/>
-            <a:endParaRPr lang="en-GB"/>
-          </a:p>
-        </p:txBody>
-      </p:sp>
-      <p:sp>
-        <p:nvSpPr>
-          <p:cNvPr id="28" name="Arco 27">
-            <a:extLst>
-              <a:ext uri="{FF2B5EF4-FFF2-40B4-BE49-F238E27FC236}">
-                <a16:creationId xmlns:a16="http://schemas.microsoft.com/office/drawing/2014/main" id="{11EC1C13-0F3E-462C-838B-A571F3D6A30C}"/>
-              </a:ext>
-            </a:extLst>
-          </p:cNvPr>
-          <p:cNvSpPr/>
-          <p:nvPr/>
-        </p:nvSpPr>
-        <p:spPr>
-          <a:xfrm rot="10800000">
-            <a:off x="6569712" y="1788490"/>
-            <a:ext cx="5281670" cy="3509286"/>
-          </a:xfrm>
-          <a:prstGeom prst="arc">
-            <a:avLst>
-              <a:gd name="adj1" fmla="val 16530333"/>
-              <a:gd name="adj2" fmla="val 0"/>
-            </a:avLst>
-          </a:prstGeom>
-          <a:ln w="76200">
-            <a:solidFill>
-              <a:srgbClr val="FF0000"/>
-            </a:solidFill>
-          </a:ln>
-        </p:spPr>
-        <p:style>
-          <a:lnRef idx="1">
-            <a:schemeClr val="accent1"/>
-          </a:lnRef>
-          <a:fillRef idx="0">
-            <a:schemeClr val="accent1"/>
-          </a:fillRef>
-          <a:effectRef idx="0">
-            <a:schemeClr val="accent1"/>
-          </a:effectRef>
-          <a:fontRef idx="minor">
-            <a:schemeClr val="tx1"/>
-          </a:fontRef>
-        </p:style>
-        <p:txBody>
-          <a:bodyPr rtlCol="0" anchor="ctr"/>
-          <a:lstStyle/>
-          <a:p>
-            <a:pPr algn="ctr"/>
-            <a:endParaRPr lang="en-GB"/>
-          </a:p>
-        </p:txBody>
-      </p:sp>
-      <p:sp>
-        <p:nvSpPr>
-          <p:cNvPr id="22" name="CaixaDeTexto 21">
-            <a:extLst>
-              <a:ext uri="{FF2B5EF4-FFF2-40B4-BE49-F238E27FC236}">
-                <a16:creationId xmlns:a16="http://schemas.microsoft.com/office/drawing/2014/main" id="{4BEB1DE5-8DD9-4DB8-B92B-4779C559B3F2}"/>
-              </a:ext>
-            </a:extLst>
-          </p:cNvPr>
-          <p:cNvSpPr txBox="1"/>
-          <p:nvPr/>
-        </p:nvSpPr>
-        <p:spPr>
-          <a:xfrm>
-            <a:off x="93504" y="1705452"/>
-            <a:ext cx="3103157" cy="584775"/>
-          </a:xfrm>
-          <a:prstGeom prst="rect">
-            <a:avLst/>
-          </a:prstGeom>
-          <a:noFill/>
-        </p:spPr>
-        <p:txBody>
-          <a:bodyPr wrap="none" rtlCol="0">
-            <a:spAutoFit/>
-          </a:bodyPr>
-          <a:lstStyle/>
-          <a:p>
-            <a:r>
-              <a:rPr lang="en-GB" sz="3200" b="1" dirty="0"/>
-              <a:t>Alice’s Apparatus</a:t>
-            </a:r>
-          </a:p>
-        </p:txBody>
-      </p:sp>
-      <p:cxnSp>
-        <p:nvCxnSpPr>
-          <p:cNvPr id="25" name="Conexão reta 24">
-            <a:extLst>
-              <a:ext uri="{FF2B5EF4-FFF2-40B4-BE49-F238E27FC236}">
-                <a16:creationId xmlns:a16="http://schemas.microsoft.com/office/drawing/2014/main" id="{BEBA948E-307F-4D29-8205-715CE2873EB5}"/>
-              </a:ext>
-            </a:extLst>
-          </p:cNvPr>
-          <p:cNvCxnSpPr>
-            <a:cxnSpLocks/>
-          </p:cNvCxnSpPr>
-          <p:nvPr/>
-        </p:nvCxnSpPr>
-        <p:spPr>
-          <a:xfrm>
-            <a:off x="1989356" y="940037"/>
-            <a:ext cx="7949403" cy="4913832"/>
-          </a:xfrm>
-          <a:prstGeom prst="line">
-            <a:avLst/>
-          </a:prstGeom>
-          <a:ln w="76200">
-            <a:solidFill>
-              <a:schemeClr val="accent4"/>
-            </a:solidFill>
-          </a:ln>
-        </p:spPr>
-        <p:style>
-          <a:lnRef idx="1">
-            <a:schemeClr val="accent1"/>
-          </a:lnRef>
-          <a:fillRef idx="0">
-            <a:schemeClr val="accent1"/>
-          </a:fillRef>
-          <a:effectRef idx="0">
-            <a:schemeClr val="accent1"/>
-          </a:effectRef>
-          <a:fontRef idx="minor">
-            <a:schemeClr val="tx1"/>
-          </a:fontRef>
-        </p:style>
-      </p:cxnSp>
-      <mc:AlternateContent xmlns:mc="http://schemas.openxmlformats.org/markup-compatibility/2006" xmlns:am3d="http://schemas.microsoft.com/office/drawing/2017/model3d">
-        <mc:Choice Requires="am3d">
-          <p:graphicFrame>
-            <p:nvGraphicFramePr>
-              <p:cNvPr id="7" name="Modelo 3D 6" descr="Beam">
-                <a:extLst>
-                  <a:ext uri="{FF2B5EF4-FFF2-40B4-BE49-F238E27FC236}">
-                    <a16:creationId xmlns:a16="http://schemas.microsoft.com/office/drawing/2014/main" id="{89BBA01E-727C-483D-8EF0-EE2062EE90C6}"/>
-                  </a:ext>
-                </a:extLst>
-              </p:cNvPr>
-              <p:cNvGraphicFramePr>
-                <a:graphicFrameLocks noChangeAspect="1"/>
-              </p:cNvGraphicFramePr>
-              <p:nvPr>
-                <p:extLst>
-                  <p:ext uri="{D42A27DB-BD31-4B8C-83A1-F6EECF244321}">
-                    <p14:modId xmlns:p14="http://schemas.microsoft.com/office/powerpoint/2010/main" val="201171710"/>
-                  </p:ext>
-                </p:extLst>
-              </p:nvPr>
-            </p:nvGraphicFramePr>
-            <p:xfrm>
-              <a:off x="5885135" y="3014189"/>
-              <a:ext cx="1202819" cy="1248114"/>
-            </p:xfrm>
-            <a:graphic>
-              <a:graphicData uri="http://schemas.microsoft.com/office/drawing/2017/model3d">
-                <am3d:model3d r:embed="rId2">
-                  <am3d:spPr>
-                    <a:xfrm>
-                      <a:off x="0" y="0"/>
-                      <a:ext cx="1202819" cy="1248114"/>
-                    </a:xfrm>
-                    <a:prstGeom prst="rect">
-                      <a:avLst/>
-                    </a:prstGeom>
-                  </am3d:spPr>
-                  <am3d:camera>
-                    <am3d:pos x="0" y="0" z="81469193"/>
-                    <am3d:up dx="0" dy="36000000" dz="0"/>
-                    <am3d:lookAt x="0" y="0" z="0"/>
-                    <am3d:perspective fov="2700000"/>
-                  </am3d:camera>
-                  <am3d:trans>
-                    <am3d:meterPerModelUnit n="7140529" d="1000000"/>
-                    <am3d:preTrans dx="0" dy="-17999995" dz="5866"/>
-                    <am3d:scale>
-                      <am3d:sx n="1000000" d="1000000"/>
-                      <am3d:sy n="1000000" d="1000000"/>
-                      <am3d:sz n="1000000" d="1000000"/>
-                    </am3d:scale>
-                    <am3d:rot ax="16200000" ay="18000000" az="5400000"/>
-                    <am3d:postTrans dx="0" dy="0" dz="0"/>
-                  </am3d:trans>
-                  <am3d:raster rName="Office3DRenderer" rVer="16.0.8326">
-                    <am3d:blip r:embed="rId3"/>
-                  </am3d:raster>
-                  <am3d:objViewport viewportSz="1574409"/>
-                  <am3d:ambientLight>
-                    <am3d:clr>
-                      <a:scrgbClr r="50000" g="50000" b="50000"/>
-                    </am3d:clr>
-                    <am3d:illuminance n="500000" d="1000000"/>
-                  </am3d:ambientLight>
-                  <am3d:ptLight rad="0">
-                    <am3d:clr>
-                      <a:scrgbClr r="100000" g="75000" b="50000"/>
-                    </am3d:clr>
-                    <am3d:intensity n="9765625" d="1000000"/>
-                    <am3d:pos x="21959998" y="70920001" z="16344003"/>
-                  </am3d:ptLight>
-                  <am3d:ptLight rad="0">
-                    <am3d:clr>
-                      <a:scrgbClr r="40000" g="60000" b="95000"/>
-                    </am3d:clr>
-                    <am3d:intensity n="12250000" d="1000000"/>
-                    <am3d:pos x="-37964106" y="51130435" z="57631972"/>
-                  </am3d:ptLight>
-                  <am3d:ptLight rad="0">
-                    <am3d:clr>
-                      <a:scrgbClr r="86837" g="72700" b="100000"/>
-                    </am3d:clr>
-                    <am3d:intensity n="3125000" d="1000000"/>
-                    <am3d:pos x="-37739122" y="58056624" z="-34769649"/>
-                  </am3d:ptLight>
-                </am3d:model3d>
-              </a:graphicData>
-            </a:graphic>
-          </p:graphicFrame>
-        </mc:Choice>
-        <mc:Fallback xmlns="">
-          <p:pic>
-            <p:nvPicPr>
-              <p:cNvPr id="7" name="Modelo 3D 6" descr="Beam">
-                <a:extLst>
-                  <a:ext uri="{FF2B5EF4-FFF2-40B4-BE49-F238E27FC236}">
-                    <a16:creationId xmlns:a16="http://schemas.microsoft.com/office/drawing/2014/main" id="{89BBA01E-727C-483D-8EF0-EE2062EE90C6}"/>
+                    <a16:creationId xmlns:a16="http://schemas.microsoft.com/office/drawing/2014/main" id="{B959F5D9-54F0-4C72-A28E-84E274906172}"/>
                   </a:ext>
                 </a:extLst>
               </p:cNvPr>
@@ -4839,9 +3825,9 @@
               </a:stretch>
             </p:blipFill>
             <p:spPr>
-              <a:xfrm>
-                <a:off x="5885135" y="3014189"/>
-                <a:ext cx="1202819" cy="1248114"/>
+              <a:xfrm rot="5400000">
+                <a:off x="9015573" y="2231292"/>
+                <a:ext cx="2490233" cy="1510146"/>
               </a:xfrm>
               <a:prstGeom prst="rect">
                 <a:avLst/>
@@ -4852,10 +3838,10 @@
       </mc:AlternateContent>
       <p:sp>
         <p:nvSpPr>
-          <p:cNvPr id="30" name="CaixaDeTexto 29">
-            <a:extLst>
-              <a:ext uri="{FF2B5EF4-FFF2-40B4-BE49-F238E27FC236}">
-                <a16:creationId xmlns:a16="http://schemas.microsoft.com/office/drawing/2014/main" id="{1B36C2F3-2FB1-4998-BC14-DFC648011A27}"/>
+          <p:cNvPr id="16" name="CaixaDeTexto 15">
+            <a:extLst>
+              <a:ext uri="{FF2B5EF4-FFF2-40B4-BE49-F238E27FC236}">
+                <a16:creationId xmlns:a16="http://schemas.microsoft.com/office/drawing/2014/main" id="{F09C9B82-AAD8-4ED2-BE81-7DBC95ACA61D}"/>
               </a:ext>
             </a:extLst>
           </p:cNvPr>
@@ -4864,8 +3850,8 @@
         </p:nvSpPr>
         <p:spPr>
           <a:xfrm>
-            <a:off x="7269398" y="3862508"/>
-            <a:ext cx="564578" cy="461665"/>
+            <a:off x="-1" y="-2655"/>
+            <a:ext cx="3642407" cy="707886"/>
           </a:xfrm>
           <a:prstGeom prst="rect">
             <a:avLst/>
@@ -4879,18 +3865,232 @@
           <a:lstStyle/>
           <a:p>
             <a:r>
-              <a:rPr lang="en-GB" sz="2400" b="1" dirty="0"/>
-              <a:t>0%</a:t>
-            </a:r>
-          </a:p>
-        </p:txBody>
-      </p:sp>
-      <p:sp>
-        <p:nvSpPr>
-          <p:cNvPr id="31" name="CaixaDeTexto 30">
-            <a:extLst>
-              <a:ext uri="{FF2B5EF4-FFF2-40B4-BE49-F238E27FC236}">
-                <a16:creationId xmlns:a16="http://schemas.microsoft.com/office/drawing/2014/main" id="{5F3267E4-6EC2-463F-9907-03515D968527}"/>
+              <a:rPr lang="en-GB" sz="4000" b="1" dirty="0"/>
+              <a:t>Bob’s Apparatus</a:t>
+            </a:r>
+            <a:endParaRPr lang="en-GB" sz="4000" b="1" baseline="-25000" dirty="0"/>
+          </a:p>
+        </p:txBody>
+      </p:sp>
+      <p:sp>
+        <p:nvSpPr>
+          <p:cNvPr id="5" name="Forma livre: Forma 4">
+            <a:extLst>
+              <a:ext uri="{FF2B5EF4-FFF2-40B4-BE49-F238E27FC236}">
+                <a16:creationId xmlns:a16="http://schemas.microsoft.com/office/drawing/2014/main" id="{B481BD39-4056-49DA-BD52-99B15891DAC0}"/>
+              </a:ext>
+            </a:extLst>
+          </p:cNvPr>
+          <p:cNvSpPr/>
+          <p:nvPr/>
+        </p:nvSpPr>
+        <p:spPr>
+          <a:xfrm>
+            <a:off x="1028700" y="1540409"/>
+            <a:ext cx="8943975" cy="4031716"/>
+          </a:xfrm>
+          <a:custGeom>
+            <a:avLst/>
+            <a:gdLst>
+              <a:gd name="connsiteX0" fmla="*/ 0 w 8620125"/>
+              <a:gd name="connsiteY0" fmla="*/ 1164691 h 4031716"/>
+              <a:gd name="connsiteX1" fmla="*/ 619125 w 8620125"/>
+              <a:gd name="connsiteY1" fmla="*/ 88366 h 4031716"/>
+              <a:gd name="connsiteX2" fmla="*/ 2609850 w 8620125"/>
+              <a:gd name="connsiteY2" fmla="*/ 3212566 h 4031716"/>
+              <a:gd name="connsiteX3" fmla="*/ 8620125 w 8620125"/>
+              <a:gd name="connsiteY3" fmla="*/ 4031716 h 4031716"/>
+            </a:gdLst>
+            <a:ahLst/>
+            <a:cxnLst>
+              <a:cxn ang="0">
+                <a:pos x="connsiteX0" y="connsiteY0"/>
+              </a:cxn>
+              <a:cxn ang="0">
+                <a:pos x="connsiteX1" y="connsiteY1"/>
+              </a:cxn>
+              <a:cxn ang="0">
+                <a:pos x="connsiteX2" y="connsiteY2"/>
+              </a:cxn>
+              <a:cxn ang="0">
+                <a:pos x="connsiteX3" y="connsiteY3"/>
+              </a:cxn>
+            </a:cxnLst>
+            <a:rect l="l" t="t" r="r" b="b"/>
+            <a:pathLst>
+              <a:path w="8620125" h="4031716">
+                <a:moveTo>
+                  <a:pt x="0" y="1164691"/>
+                </a:moveTo>
+                <a:cubicBezTo>
+                  <a:pt x="92075" y="455872"/>
+                  <a:pt x="184150" y="-252947"/>
+                  <a:pt x="619125" y="88366"/>
+                </a:cubicBezTo>
+                <a:cubicBezTo>
+                  <a:pt x="1054100" y="429678"/>
+                  <a:pt x="1276350" y="2555341"/>
+                  <a:pt x="2609850" y="3212566"/>
+                </a:cubicBezTo>
+                <a:cubicBezTo>
+                  <a:pt x="3943350" y="3869791"/>
+                  <a:pt x="7469188" y="3893604"/>
+                  <a:pt x="8620125" y="4031716"/>
+                </a:cubicBezTo>
+              </a:path>
+            </a:pathLst>
+          </a:custGeom>
+          <a:ln w="127000"/>
+        </p:spPr>
+        <p:style>
+          <a:lnRef idx="1">
+            <a:schemeClr val="accent4"/>
+          </a:lnRef>
+          <a:fillRef idx="0">
+            <a:schemeClr val="accent4"/>
+          </a:fillRef>
+          <a:effectRef idx="0">
+            <a:schemeClr val="accent4"/>
+          </a:effectRef>
+          <a:fontRef idx="minor">
+            <a:schemeClr val="tx1"/>
+          </a:fontRef>
+        </p:style>
+        <p:txBody>
+          <a:bodyPr rtlCol="0" anchor="ctr"/>
+          <a:lstStyle/>
+          <a:p>
+            <a:pPr algn="ctr"/>
+            <a:endParaRPr lang="en-GB"/>
+          </a:p>
+        </p:txBody>
+      </p:sp>
+      <p:sp>
+        <p:nvSpPr>
+          <p:cNvPr id="6" name="Forma livre: Forma 5">
+            <a:extLst>
+              <a:ext uri="{FF2B5EF4-FFF2-40B4-BE49-F238E27FC236}">
+                <a16:creationId xmlns:a16="http://schemas.microsoft.com/office/drawing/2014/main" id="{34F3DE4A-919A-4188-9EB6-85292B2A424A}"/>
+              </a:ext>
+            </a:extLst>
+          </p:cNvPr>
+          <p:cNvSpPr/>
+          <p:nvPr/>
+        </p:nvSpPr>
+        <p:spPr>
+          <a:xfrm>
+            <a:off x="2247899" y="2190751"/>
+            <a:ext cx="7496175" cy="2715624"/>
+          </a:xfrm>
+          <a:custGeom>
+            <a:avLst/>
+            <a:gdLst>
+              <a:gd name="connsiteX0" fmla="*/ 630675 w 7555350"/>
+              <a:gd name="connsiteY0" fmla="*/ 0 h 2762267"/>
+              <a:gd name="connsiteX1" fmla="*/ 68700 w 7555350"/>
+              <a:gd name="connsiteY1" fmla="*/ 666750 h 2762267"/>
+              <a:gd name="connsiteX2" fmla="*/ 2021325 w 7555350"/>
+              <a:gd name="connsiteY2" fmla="*/ 704850 h 2762267"/>
+              <a:gd name="connsiteX3" fmla="*/ 1830825 w 7555350"/>
+              <a:gd name="connsiteY3" fmla="*/ 2743200 h 2762267"/>
+              <a:gd name="connsiteX4" fmla="*/ 5936100 w 7555350"/>
+              <a:gd name="connsiteY4" fmla="*/ 1666875 h 2762267"/>
+              <a:gd name="connsiteX5" fmla="*/ 7555350 w 7555350"/>
+              <a:gd name="connsiteY5" fmla="*/ 685800 h 2762267"/>
+            </a:gdLst>
+            <a:ahLst/>
+            <a:cxnLst>
+              <a:cxn ang="0">
+                <a:pos x="connsiteX0" y="connsiteY0"/>
+              </a:cxn>
+              <a:cxn ang="0">
+                <a:pos x="connsiteX1" y="connsiteY1"/>
+              </a:cxn>
+              <a:cxn ang="0">
+                <a:pos x="connsiteX2" y="connsiteY2"/>
+              </a:cxn>
+              <a:cxn ang="0">
+                <a:pos x="connsiteX3" y="connsiteY3"/>
+              </a:cxn>
+              <a:cxn ang="0">
+                <a:pos x="connsiteX4" y="connsiteY4"/>
+              </a:cxn>
+              <a:cxn ang="0">
+                <a:pos x="connsiteX5" y="connsiteY5"/>
+              </a:cxn>
+            </a:cxnLst>
+            <a:rect l="l" t="t" r="r" b="b"/>
+            <a:pathLst>
+              <a:path w="7555350" h="2762267">
+                <a:moveTo>
+                  <a:pt x="630675" y="0"/>
+                </a:moveTo>
+                <a:cubicBezTo>
+                  <a:pt x="233800" y="274637"/>
+                  <a:pt x="-163075" y="549275"/>
+                  <a:pt x="68700" y="666750"/>
+                </a:cubicBezTo>
+                <a:cubicBezTo>
+                  <a:pt x="300475" y="784225"/>
+                  <a:pt x="1727637" y="358775"/>
+                  <a:pt x="2021325" y="704850"/>
+                </a:cubicBezTo>
+                <a:cubicBezTo>
+                  <a:pt x="2315013" y="1050925"/>
+                  <a:pt x="1178363" y="2582863"/>
+                  <a:pt x="1830825" y="2743200"/>
+                </a:cubicBezTo>
+                <a:cubicBezTo>
+                  <a:pt x="2483287" y="2903537"/>
+                  <a:pt x="4982013" y="2009775"/>
+                  <a:pt x="5936100" y="1666875"/>
+                </a:cubicBezTo>
+                <a:cubicBezTo>
+                  <a:pt x="6890187" y="1323975"/>
+                  <a:pt x="7222768" y="1004887"/>
+                  <a:pt x="7555350" y="685800"/>
+                </a:cubicBezTo>
+              </a:path>
+            </a:pathLst>
+          </a:custGeom>
+          <a:noFill/>
+          <a:ln w="127000">
+            <a:solidFill>
+              <a:srgbClr val="FFC000"/>
+            </a:solidFill>
+          </a:ln>
+        </p:spPr>
+        <p:style>
+          <a:lnRef idx="2">
+            <a:schemeClr val="accent1">
+              <a:shade val="50000"/>
+            </a:schemeClr>
+          </a:lnRef>
+          <a:fillRef idx="1">
+            <a:schemeClr val="accent1"/>
+          </a:fillRef>
+          <a:effectRef idx="0">
+            <a:schemeClr val="accent1"/>
+          </a:effectRef>
+          <a:fontRef idx="minor">
+            <a:schemeClr val="lt1"/>
+          </a:fontRef>
+        </p:style>
+        <p:txBody>
+          <a:bodyPr rtlCol="0" anchor="ctr"/>
+          <a:lstStyle/>
+          <a:p>
+            <a:pPr algn="ctr"/>
+            <a:endParaRPr lang="en-GB"/>
+          </a:p>
+        </p:txBody>
+      </p:sp>
+      <p:sp>
+        <p:nvSpPr>
+          <p:cNvPr id="28" name="CaixaDeTexto 27">
+            <a:extLst>
+              <a:ext uri="{FF2B5EF4-FFF2-40B4-BE49-F238E27FC236}">
+                <a16:creationId xmlns:a16="http://schemas.microsoft.com/office/drawing/2014/main" id="{C3F3C770-CE03-4F29-9B44-7317A782C058}"/>
               </a:ext>
             </a:extLst>
           </p:cNvPr>
@@ -4899,8 +4099,8 @@
         </p:nvSpPr>
         <p:spPr>
           <a:xfrm>
-            <a:off x="6829710" y="4637768"/>
-            <a:ext cx="516488" cy="461665"/>
+            <a:off x="10646974" y="4198489"/>
+            <a:ext cx="979755" cy="707886"/>
           </a:xfrm>
           <a:prstGeom prst="rect">
             <a:avLst/>
@@ -4914,18 +4114,22 @@
           <a:lstStyle/>
           <a:p>
             <a:r>
-              <a:rPr lang="en-GB" sz="2400" b="1" dirty="0"/>
-              <a:t>t%</a:t>
-            </a:r>
-          </a:p>
-        </p:txBody>
-      </p:sp>
-      <p:sp>
-        <p:nvSpPr>
-          <p:cNvPr id="32" name="CaixaDeTexto 31">
-            <a:extLst>
-              <a:ext uri="{FF2B5EF4-FFF2-40B4-BE49-F238E27FC236}">
-                <a16:creationId xmlns:a16="http://schemas.microsoft.com/office/drawing/2014/main" id="{DFEE8F73-6109-48F4-8865-CB1F756651F0}"/>
+              <a:rPr lang="en-GB" sz="4000" b="1" dirty="0"/>
+              <a:t>D</a:t>
+            </a:r>
+            <a:r>
+              <a:rPr lang="en-GB" sz="4000" b="1" baseline="-25000" dirty="0"/>
+              <a:t>M2</a:t>
+            </a:r>
+          </a:p>
+        </p:txBody>
+      </p:sp>
+      <p:sp>
+        <p:nvSpPr>
+          <p:cNvPr id="11" name="CaixaDeTexto 10">
+            <a:extLst>
+              <a:ext uri="{FF2B5EF4-FFF2-40B4-BE49-F238E27FC236}">
+                <a16:creationId xmlns:a16="http://schemas.microsoft.com/office/drawing/2014/main" id="{7742D487-1EE9-4F24-B1A7-CEA607694876}"/>
               </a:ext>
             </a:extLst>
           </p:cNvPr>
@@ -4934,8 +4138,8 @@
         </p:nvSpPr>
         <p:spPr>
           <a:xfrm>
-            <a:off x="5387370" y="4254113"/>
-            <a:ext cx="958917" cy="461665"/>
+            <a:off x="2136740" y="800481"/>
+            <a:ext cx="554960" cy="707886"/>
           </a:xfrm>
           <a:prstGeom prst="rect">
             <a:avLst/>
@@ -4949,390 +4153,23 @@
           <a:lstStyle/>
           <a:p>
             <a:r>
-              <a:rPr lang="en-GB" sz="2400" b="1" dirty="0"/>
-              <a:t>(1-t)%</a:t>
-            </a:r>
-          </a:p>
-        </p:txBody>
-      </p:sp>
-      <mc:AlternateContent xmlns:mc="http://schemas.openxmlformats.org/markup-compatibility/2006" xmlns:am3d="http://schemas.microsoft.com/office/drawing/2017/model3d">
-        <mc:Choice Requires="am3d">
-          <p:graphicFrame>
-            <p:nvGraphicFramePr>
-              <p:cNvPr id="34" name="Modelo 3D 33" descr="Cuboide Cinza-Claro">
-                <a:extLst>
-                  <a:ext uri="{FF2B5EF4-FFF2-40B4-BE49-F238E27FC236}">
-                    <a16:creationId xmlns:a16="http://schemas.microsoft.com/office/drawing/2014/main" id="{380C57D9-CA4B-4670-B753-BCC14281F462}"/>
-                  </a:ext>
-                </a:extLst>
-              </p:cNvPr>
-              <p:cNvGraphicFramePr>
-                <a:graphicFrameLocks noChangeAspect="1"/>
-              </p:cNvGraphicFramePr>
-              <p:nvPr>
-                <p:extLst>
-                  <p:ext uri="{D42A27DB-BD31-4B8C-83A1-F6EECF244321}">
-                    <p14:modId xmlns:p14="http://schemas.microsoft.com/office/powerpoint/2010/main" val="4102625734"/>
-                  </p:ext>
-                </p:extLst>
-              </p:nvPr>
-            </p:nvGraphicFramePr>
-            <p:xfrm>
-              <a:off x="9348521" y="5021892"/>
-              <a:ext cx="2539467" cy="1544097"/>
-            </p:xfrm>
-            <a:graphic>
-              <a:graphicData uri="http://schemas.microsoft.com/office/drawing/2017/model3d">
-                <am3d:model3d r:embed="rId5">
-                  <am3d:spPr>
-                    <a:xfrm>
-                      <a:off x="0" y="0"/>
-                      <a:ext cx="2539467" cy="1544097"/>
-                    </a:xfrm>
-                    <a:prstGeom prst="rect">
-                      <a:avLst/>
-                    </a:prstGeom>
-                  </am3d:spPr>
-                  <am3d:camera>
-                    <am3d:pos x="0" y="0" z="57664451"/>
-                    <am3d:up dx="0" dy="36000000" dz="0"/>
-                    <am3d:lookAt x="0" y="0" z="0"/>
-                    <am3d:perspective fov="2700000"/>
-                  </am3d:camera>
-                  <am3d:trans>
-                    <am3d:meterPerModelUnit n="4361393" d="1000000"/>
-                    <am3d:preTrans dx="0" dy="-6493603" dz="0"/>
-                    <am3d:scale>
-                      <am3d:sx n="1000000" d="1000000"/>
-                      <am3d:sy n="1000000" d="1000000"/>
-                      <am3d:sz n="1000000" d="1000000"/>
-                    </am3d:scale>
-                    <am3d:rot ax="7192918" ay="3895266" az="7343495"/>
-                    <am3d:postTrans dx="0" dy="0" dz="0"/>
-                  </am3d:trans>
-                  <am3d:raster rName="Office3DRenderer" rVer="16.0.8326">
-                    <am3d:blip r:embed="rId6"/>
-                  </am3d:raster>
-                  <am3d:objViewport viewportSz="2580377"/>
-                  <am3d:ambientLight>
-                    <am3d:clr>
-                      <a:scrgbClr r="50000" g="50000" b="50000"/>
-                    </am3d:clr>
-                    <am3d:illuminance n="500000" d="1000000"/>
-                  </am3d:ambientLight>
-                  <am3d:ptLight rad="0">
-                    <am3d:clr>
-                      <a:scrgbClr r="100000" g="75000" b="50000"/>
-                    </am3d:clr>
-                    <am3d:intensity n="9765625" d="1000000"/>
-                    <am3d:pos x="21959998" y="70920001" z="16344003"/>
-                  </am3d:ptLight>
-                  <am3d:ptLight rad="0">
-                    <am3d:clr>
-                      <a:scrgbClr r="40000" g="60000" b="95000"/>
-                    </am3d:clr>
-                    <am3d:intensity n="12250000" d="1000000"/>
-                    <am3d:pos x="-37964106" y="51130435" z="57631972"/>
-                  </am3d:ptLight>
-                  <am3d:ptLight rad="0">
-                    <am3d:clr>
-                      <a:scrgbClr r="86837" g="72700" b="100000"/>
-                    </am3d:clr>
-                    <am3d:intensity n="3125000" d="1000000"/>
-                    <am3d:pos x="-37739122" y="58056624" z="-34769649"/>
-                  </am3d:ptLight>
-                </am3d:model3d>
-              </a:graphicData>
-            </a:graphic>
-          </p:graphicFrame>
-        </mc:Choice>
-        <mc:Fallback xmlns="">
-          <p:pic>
-            <p:nvPicPr>
-              <p:cNvPr id="34" name="Modelo 3D 33" descr="Cuboide Cinza-Claro">
-                <a:extLst>
-                  <a:ext uri="{FF2B5EF4-FFF2-40B4-BE49-F238E27FC236}">
-                    <a16:creationId xmlns:a16="http://schemas.microsoft.com/office/drawing/2014/main" id="{380C57D9-CA4B-4670-B753-BCC14281F462}"/>
-                  </a:ext>
-                </a:extLst>
-              </p:cNvPr>
-              <p:cNvPicPr>
-                <a:picLocks noGrp="1" noRot="1" noChangeAspect="1" noMove="1" noResize="1" noEditPoints="1" noAdjustHandles="1" noChangeArrowheads="1" noChangeShapeType="1" noCrop="1"/>
-              </p:cNvPicPr>
-              <p:nvPr/>
-            </p:nvPicPr>
-            <p:blipFill>
-              <a:blip r:embed="rId7"/>
-              <a:stretch>
-                <a:fillRect/>
-              </a:stretch>
-            </p:blipFill>
-            <p:spPr>
-              <a:xfrm>
-                <a:off x="9348521" y="5021892"/>
-                <a:ext cx="2539467" cy="1544097"/>
-              </a:xfrm>
-              <a:prstGeom prst="rect">
-                <a:avLst/>
-              </a:prstGeom>
-            </p:spPr>
-          </p:pic>
-        </mc:Fallback>
-      </mc:AlternateContent>
-      <mc:AlternateContent xmlns:mc="http://schemas.openxmlformats.org/markup-compatibility/2006" xmlns:am3d="http://schemas.microsoft.com/office/drawing/2017/model3d">
-        <mc:Choice Requires="am3d">
-          <p:graphicFrame>
-            <p:nvGraphicFramePr>
-              <p:cNvPr id="35" name="Modelo 3D 34" descr="Cuboide Cinza-Claro">
-                <a:extLst>
-                  <a:ext uri="{FF2B5EF4-FFF2-40B4-BE49-F238E27FC236}">
-                    <a16:creationId xmlns:a16="http://schemas.microsoft.com/office/drawing/2014/main" id="{C9C8C47D-D33A-46FF-8142-0299501C2C8A}"/>
-                  </a:ext>
-                </a:extLst>
-              </p:cNvPr>
-              <p:cNvGraphicFramePr>
-                <a:graphicFrameLocks noChangeAspect="1"/>
-              </p:cNvGraphicFramePr>
-              <p:nvPr>
-                <p:extLst>
-                  <p:ext uri="{D42A27DB-BD31-4B8C-83A1-F6EECF244321}">
-                    <p14:modId xmlns:p14="http://schemas.microsoft.com/office/powerpoint/2010/main" val="405793456"/>
-                  </p:ext>
-                </p:extLst>
-              </p:nvPr>
-            </p:nvGraphicFramePr>
-            <p:xfrm>
-              <a:off x="27382" y="-113613"/>
-              <a:ext cx="2484702" cy="1965923"/>
-            </p:xfrm>
-            <a:graphic>
-              <a:graphicData uri="http://schemas.microsoft.com/office/drawing/2017/model3d">
-                <am3d:model3d r:embed="rId5">
-                  <am3d:spPr>
-                    <a:xfrm>
-                      <a:off x="0" y="0"/>
-                      <a:ext cx="2484702" cy="1965923"/>
-                    </a:xfrm>
-                    <a:prstGeom prst="rect">
-                      <a:avLst/>
-                    </a:prstGeom>
-                  </am3d:spPr>
-                  <am3d:camera>
-                    <am3d:pos x="0" y="0" z="57664451"/>
-                    <am3d:up dx="0" dy="36000000" dz="0"/>
-                    <am3d:lookAt x="0" y="0" z="0"/>
-                    <am3d:perspective fov="2700000"/>
-                  </am3d:camera>
-                  <am3d:trans>
-                    <am3d:meterPerModelUnit n="4361393" d="1000000"/>
-                    <am3d:preTrans dx="0" dy="-6493603" dz="0"/>
-                    <am3d:scale>
-                      <am3d:sx n="1000000" d="1000000"/>
-                      <am3d:sy n="1000000" d="1000000"/>
-                      <am3d:sz n="1000000" d="1000000"/>
-                    </am3d:scale>
-                    <am3d:rot ax="1719724" ay="2708621" az="1270836"/>
-                    <am3d:postTrans dx="0" dy="0" dz="0"/>
-                  </am3d:trans>
-                  <am3d:raster rName="Office3DRenderer" rVer="16.0.8326">
-                    <am3d:blip r:embed="rId8"/>
-                  </am3d:raster>
-                  <am3d:objViewport viewportSz="2580374"/>
-                  <am3d:ambientLight>
-                    <am3d:clr>
-                      <a:scrgbClr r="50000" g="50000" b="50000"/>
-                    </am3d:clr>
-                    <am3d:illuminance n="500000" d="1000000"/>
-                  </am3d:ambientLight>
-                  <am3d:ptLight rad="0">
-                    <am3d:clr>
-                      <a:scrgbClr r="100000" g="75000" b="50000"/>
-                    </am3d:clr>
-                    <am3d:intensity n="9765625" d="1000000"/>
-                    <am3d:pos x="21959998" y="70920001" z="16344003"/>
-                  </am3d:ptLight>
-                  <am3d:ptLight rad="0">
-                    <am3d:clr>
-                      <a:scrgbClr r="40000" g="60000" b="95000"/>
-                    </am3d:clr>
-                    <am3d:intensity n="12250000" d="1000000"/>
-                    <am3d:pos x="-37964106" y="51130435" z="57631972"/>
-                  </am3d:ptLight>
-                  <am3d:ptLight rad="0">
-                    <am3d:clr>
-                      <a:scrgbClr r="86837" g="72700" b="100000"/>
-                    </am3d:clr>
-                    <am3d:intensity n="3125000" d="1000000"/>
-                    <am3d:pos x="-37739122" y="58056624" z="-34769649"/>
-                  </am3d:ptLight>
-                </am3d:model3d>
-              </a:graphicData>
-            </a:graphic>
-          </p:graphicFrame>
-        </mc:Choice>
-        <mc:Fallback xmlns="">
-          <p:pic>
-            <p:nvPicPr>
-              <p:cNvPr id="35" name="Modelo 3D 34" descr="Cuboide Cinza-Claro">
-                <a:extLst>
-                  <a:ext uri="{FF2B5EF4-FFF2-40B4-BE49-F238E27FC236}">
-                    <a16:creationId xmlns:a16="http://schemas.microsoft.com/office/drawing/2014/main" id="{C9C8C47D-D33A-46FF-8142-0299501C2C8A}"/>
-                  </a:ext>
-                </a:extLst>
-              </p:cNvPr>
-              <p:cNvPicPr>
-                <a:picLocks noGrp="1" noRot="1" noChangeAspect="1" noMove="1" noResize="1" noEditPoints="1" noAdjustHandles="1" noChangeArrowheads="1" noChangeShapeType="1" noCrop="1"/>
-              </p:cNvPicPr>
-              <p:nvPr/>
-            </p:nvPicPr>
-            <p:blipFill>
-              <a:blip r:embed="rId9"/>
-              <a:stretch>
-                <a:fillRect/>
-              </a:stretch>
-            </p:blipFill>
-            <p:spPr>
-              <a:xfrm>
-                <a:off x="27382" y="-113613"/>
-                <a:ext cx="2484702" cy="1965923"/>
-              </a:xfrm>
-              <a:prstGeom prst="rect">
-                <a:avLst/>
-              </a:prstGeom>
-            </p:spPr>
-          </p:pic>
-        </mc:Fallback>
-      </mc:AlternateContent>
-      <mc:AlternateContent xmlns:mc="http://schemas.openxmlformats.org/markup-compatibility/2006" xmlns:am3d="http://schemas.microsoft.com/office/drawing/2017/model3d">
-        <mc:Choice Requires="am3d">
-          <p:graphicFrame>
-            <p:nvGraphicFramePr>
-              <p:cNvPr id="38" name="Modelo 3D 37" descr="Cuboide Cinza-Escuro">
-                <a:extLst>
-                  <a:ext uri="{FF2B5EF4-FFF2-40B4-BE49-F238E27FC236}">
-                    <a16:creationId xmlns:a16="http://schemas.microsoft.com/office/drawing/2014/main" id="{AB42B42F-5CAF-4B76-968E-3A216E4F78C6}"/>
-                  </a:ext>
-                </a:extLst>
-              </p:cNvPr>
-              <p:cNvGraphicFramePr>
-                <a:graphicFrameLocks noChangeAspect="1"/>
-              </p:cNvGraphicFramePr>
-              <p:nvPr>
-                <p:extLst>
-                  <p:ext uri="{D42A27DB-BD31-4B8C-83A1-F6EECF244321}">
-                    <p14:modId xmlns:p14="http://schemas.microsoft.com/office/powerpoint/2010/main" val="283850834"/>
-                  </p:ext>
-                </p:extLst>
-              </p:nvPr>
-            </p:nvGraphicFramePr>
-            <p:xfrm>
-              <a:off x="1025576" y="4020671"/>
-              <a:ext cx="2576043" cy="1390215"/>
-            </p:xfrm>
-            <a:graphic>
-              <a:graphicData uri="http://schemas.microsoft.com/office/drawing/2017/model3d">
-                <am3d:model3d r:embed="rId10">
-                  <am3d:spPr>
-                    <a:xfrm>
-                      <a:off x="0" y="0"/>
-                      <a:ext cx="2576043" cy="1390215"/>
-                    </a:xfrm>
-                    <a:prstGeom prst="rect">
-                      <a:avLst/>
-                    </a:prstGeom>
-                  </am3d:spPr>
-                  <am3d:camera>
-                    <am3d:pos x="0" y="0" z="57664451"/>
-                    <am3d:up dx="0" dy="36000000" dz="0"/>
-                    <am3d:lookAt x="0" y="0" z="0"/>
-                    <am3d:perspective fov="2700000"/>
-                  </am3d:camera>
-                  <am3d:trans>
-                    <am3d:meterPerModelUnit n="4361393" d="1000000"/>
-                    <am3d:preTrans dx="0" dy="-6493603" dz="0"/>
-                    <am3d:scale>
-                      <am3d:sx n="1000000" d="1000000"/>
-                      <am3d:sy n="1000000" d="1000000"/>
-                      <am3d:sz n="1000000" d="1000000"/>
-                    </am3d:scale>
-                    <am3d:rot ax="5400000" ay="3600000" az="5400000"/>
-                    <am3d:postTrans dx="0" dy="0" dz="0"/>
-                  </am3d:trans>
-                  <am3d:raster rName="Office3DRenderer" rVer="16.0.8326">
-                    <am3d:blip r:embed="rId11"/>
-                  </am3d:raster>
-                  <am3d:objViewport viewportSz="2661617"/>
-                  <am3d:ambientLight>
-                    <am3d:clr>
-                      <a:scrgbClr r="50000" g="50000" b="50000"/>
-                    </am3d:clr>
-                    <am3d:illuminance n="500000" d="1000000"/>
-                  </am3d:ambientLight>
-                  <am3d:ptLight rad="0">
-                    <am3d:clr>
-                      <a:scrgbClr r="100000" g="75000" b="50000"/>
-                    </am3d:clr>
-                    <am3d:intensity n="9765625" d="1000000"/>
-                    <am3d:pos x="21959998" y="70920001" z="16344003"/>
-                  </am3d:ptLight>
-                  <am3d:ptLight rad="0">
-                    <am3d:clr>
-                      <a:scrgbClr r="40000" g="60000" b="95000"/>
-                    </am3d:clr>
-                    <am3d:intensity n="12250000" d="1000000"/>
-                    <am3d:pos x="-37964106" y="51130435" z="57631972"/>
-                  </am3d:ptLight>
-                  <am3d:ptLight rad="0">
-                    <am3d:clr>
-                      <a:scrgbClr r="86837" g="72700" b="100000"/>
-                    </am3d:clr>
-                    <am3d:intensity n="3125000" d="1000000"/>
-                    <am3d:pos x="-37739122" y="58056624" z="-34769649"/>
-                  </am3d:ptLight>
-                </am3d:model3d>
-              </a:graphicData>
-            </a:graphic>
-          </p:graphicFrame>
-        </mc:Choice>
-        <mc:Fallback xmlns="">
-          <p:pic>
-            <p:nvPicPr>
-              <p:cNvPr id="38" name="Modelo 3D 37" descr="Cuboide Cinza-Escuro">
-                <a:extLst>
-                  <a:ext uri="{FF2B5EF4-FFF2-40B4-BE49-F238E27FC236}">
-                    <a16:creationId xmlns:a16="http://schemas.microsoft.com/office/drawing/2014/main" id="{AB42B42F-5CAF-4B76-968E-3A216E4F78C6}"/>
-                  </a:ext>
-                </a:extLst>
-              </p:cNvPr>
-              <p:cNvPicPr>
-                <a:picLocks noGrp="1" noRot="1" noChangeAspect="1" noMove="1" noResize="1" noEditPoints="1" noAdjustHandles="1" noChangeArrowheads="1" noChangeShapeType="1" noCrop="1"/>
-              </p:cNvPicPr>
-              <p:nvPr/>
-            </p:nvPicPr>
-            <p:blipFill>
-              <a:blip r:embed="rId12"/>
-              <a:stretch>
-                <a:fillRect/>
-              </a:stretch>
-            </p:blipFill>
-            <p:spPr>
-              <a:xfrm>
-                <a:off x="1025576" y="4020671"/>
-                <a:ext cx="2576043" cy="1390215"/>
-              </a:xfrm>
-              <a:prstGeom prst="rect">
-                <a:avLst/>
-              </a:prstGeom>
-            </p:spPr>
-          </p:pic>
-        </mc:Fallback>
-      </mc:AlternateContent>
-      <p:sp>
-        <p:nvSpPr>
-          <p:cNvPr id="18" name="CaixaDeTexto 17">
-            <a:extLst>
-              <a:ext uri="{FF2B5EF4-FFF2-40B4-BE49-F238E27FC236}">
-                <a16:creationId xmlns:a16="http://schemas.microsoft.com/office/drawing/2014/main" id="{D2687353-C682-45B3-AE3A-9642BC8482FF}"/>
+              <a:rPr lang="en-GB" sz="4000" b="1" dirty="0" err="1"/>
+              <a:t>t</a:t>
+            </a:r>
+            <a:r>
+              <a:rPr lang="en-GB" sz="4000" b="1" baseline="-25000" dirty="0" err="1"/>
+              <a:t>B</a:t>
+            </a:r>
+            <a:endParaRPr lang="en-GB" sz="4000" b="1" baseline="-25000" dirty="0"/>
+          </a:p>
+        </p:txBody>
+      </p:sp>
+      <p:sp>
+        <p:nvSpPr>
+          <p:cNvPr id="30" name="CaixaDeTexto 29">
+            <a:extLst>
+              <a:ext uri="{FF2B5EF4-FFF2-40B4-BE49-F238E27FC236}">
+                <a16:creationId xmlns:a16="http://schemas.microsoft.com/office/drawing/2014/main" id="{1C4CA63A-783E-47FB-AE4E-CDE993FDCF54}"/>
               </a:ext>
             </a:extLst>
           </p:cNvPr>
@@ -5341,8 +4178,8 @@
         </p:nvSpPr>
         <p:spPr>
           <a:xfrm>
-            <a:off x="5387370" y="3133168"/>
-            <a:ext cx="2370970" cy="584775"/>
+            <a:off x="1276158" y="2632422"/>
+            <a:ext cx="971741" cy="707886"/>
           </a:xfrm>
           <a:prstGeom prst="rect">
             <a:avLst/>
@@ -5356,17 +4193,20 @@
           <a:lstStyle/>
           <a:p>
             <a:r>
-              <a:rPr lang="en-GB" sz="3200" b="1" dirty="0" err="1"/>
-              <a:t>Beamsplitter</a:t>
-            </a:r>
-            <a:endParaRPr lang="en-GB" sz="4000" b="1" dirty="0"/>
+              <a:rPr lang="en-GB" sz="4000" b="1" dirty="0"/>
+              <a:t>1-t</a:t>
+            </a:r>
+            <a:r>
+              <a:rPr lang="en-GB" sz="4000" b="1" baseline="-25000" dirty="0"/>
+              <a:t>B</a:t>
+            </a:r>
           </a:p>
         </p:txBody>
       </p:sp>
     </p:spTree>
     <p:extLst>
       <p:ext uri="{BB962C8B-B14F-4D97-AF65-F5344CB8AC3E}">
-        <p14:creationId xmlns:p14="http://schemas.microsoft.com/office/powerpoint/2010/main" val="2919146019"/>
+        <p14:creationId xmlns:p14="http://schemas.microsoft.com/office/powerpoint/2010/main" val="1665577511"/>
       </p:ext>
     </p:extLst>
   </p:cSld>

--- a/doc/tex/sdf/tq_76558_cow_protocol/figures_raw/Bob.pptx
+++ b/doc/tex/sdf/tq_76558_cow_protocol/figures_raw/Bob.pptx
@@ -261,7 +261,7 @@
           <a:p>
             <a:fld id="{4B3AA8C6-FF6F-4F8F-942E-89BFB6A8B502}" type="datetimeFigureOut">
               <a:rPr lang="en-GB" smtClean="0"/>
-              <a:t>17/10/2018</a:t>
+              <a:t>22/10/2018</a:t>
             </a:fld>
             <a:endParaRPr lang="en-GB"/>
           </a:p>
@@ -461,7 +461,7 @@
           <a:p>
             <a:fld id="{4B3AA8C6-FF6F-4F8F-942E-89BFB6A8B502}" type="datetimeFigureOut">
               <a:rPr lang="en-GB" smtClean="0"/>
-              <a:t>17/10/2018</a:t>
+              <a:t>22/10/2018</a:t>
             </a:fld>
             <a:endParaRPr lang="en-GB"/>
           </a:p>
@@ -671,7 +671,7 @@
           <a:p>
             <a:fld id="{4B3AA8C6-FF6F-4F8F-942E-89BFB6A8B502}" type="datetimeFigureOut">
               <a:rPr lang="en-GB" smtClean="0"/>
-              <a:t>17/10/2018</a:t>
+              <a:t>22/10/2018</a:t>
             </a:fld>
             <a:endParaRPr lang="en-GB"/>
           </a:p>
@@ -871,7 +871,7 @@
           <a:p>
             <a:fld id="{4B3AA8C6-FF6F-4F8F-942E-89BFB6A8B502}" type="datetimeFigureOut">
               <a:rPr lang="en-GB" smtClean="0"/>
-              <a:t>17/10/2018</a:t>
+              <a:t>22/10/2018</a:t>
             </a:fld>
             <a:endParaRPr lang="en-GB"/>
           </a:p>
@@ -1147,7 +1147,7 @@
           <a:p>
             <a:fld id="{4B3AA8C6-FF6F-4F8F-942E-89BFB6A8B502}" type="datetimeFigureOut">
               <a:rPr lang="en-GB" smtClean="0"/>
-              <a:t>17/10/2018</a:t>
+              <a:t>22/10/2018</a:t>
             </a:fld>
             <a:endParaRPr lang="en-GB"/>
           </a:p>
@@ -1415,7 +1415,7 @@
           <a:p>
             <a:fld id="{4B3AA8C6-FF6F-4F8F-942E-89BFB6A8B502}" type="datetimeFigureOut">
               <a:rPr lang="en-GB" smtClean="0"/>
-              <a:t>17/10/2018</a:t>
+              <a:t>22/10/2018</a:t>
             </a:fld>
             <a:endParaRPr lang="en-GB"/>
           </a:p>
@@ -1830,7 +1830,7 @@
           <a:p>
             <a:fld id="{4B3AA8C6-FF6F-4F8F-942E-89BFB6A8B502}" type="datetimeFigureOut">
               <a:rPr lang="en-GB" smtClean="0"/>
-              <a:t>17/10/2018</a:t>
+              <a:t>22/10/2018</a:t>
             </a:fld>
             <a:endParaRPr lang="en-GB"/>
           </a:p>
@@ -1972,7 +1972,7 @@
           <a:p>
             <a:fld id="{4B3AA8C6-FF6F-4F8F-942E-89BFB6A8B502}" type="datetimeFigureOut">
               <a:rPr lang="en-GB" smtClean="0"/>
-              <a:t>17/10/2018</a:t>
+              <a:t>22/10/2018</a:t>
             </a:fld>
             <a:endParaRPr lang="en-GB"/>
           </a:p>
@@ -2085,7 +2085,7 @@
           <a:p>
             <a:fld id="{4B3AA8C6-FF6F-4F8F-942E-89BFB6A8B502}" type="datetimeFigureOut">
               <a:rPr lang="en-GB" smtClean="0"/>
-              <a:t>17/10/2018</a:t>
+              <a:t>22/10/2018</a:t>
             </a:fld>
             <a:endParaRPr lang="en-GB"/>
           </a:p>
@@ -2398,7 +2398,7 @@
           <a:p>
             <a:fld id="{4B3AA8C6-FF6F-4F8F-942E-89BFB6A8B502}" type="datetimeFigureOut">
               <a:rPr lang="en-GB" smtClean="0"/>
-              <a:t>17/10/2018</a:t>
+              <a:t>22/10/2018</a:t>
             </a:fld>
             <a:endParaRPr lang="en-GB"/>
           </a:p>
@@ -2687,7 +2687,7 @@
           <a:p>
             <a:fld id="{4B3AA8C6-FF6F-4F8F-942E-89BFB6A8B502}" type="datetimeFigureOut">
               <a:rPr lang="en-GB" smtClean="0"/>
-              <a:t>17/10/2018</a:t>
+              <a:t>22/10/2018</a:t>
             </a:fld>
             <a:endParaRPr lang="en-GB"/>
           </a:p>
@@ -2930,7 +2930,7 @@
           <a:p>
             <a:fld id="{4B3AA8C6-FF6F-4F8F-942E-89BFB6A8B502}" type="datetimeFigureOut">
               <a:rPr lang="en-GB" smtClean="0"/>
-              <a:t>17/10/2018</a:t>
+              <a:t>22/10/2018</a:t>
             </a:fld>
             <a:endParaRPr lang="en-GB"/>
           </a:p>
@@ -3347,8 +3347,8 @@
           <a:chExt cx="0" cy="0"/>
         </a:xfrm>
       </p:grpSpPr>
-      <mc:AlternateContent xmlns:mc="http://schemas.openxmlformats.org/markup-compatibility/2006">
-        <mc:Choice xmlns:am3d="http://schemas.microsoft.com/office/drawing/2017/model3d" Requires="am3d">
+      <mc:AlternateContent xmlns:mc="http://schemas.openxmlformats.org/markup-compatibility/2006" xmlns:am3d="http://schemas.microsoft.com/office/drawing/2017/model3d">
+        <mc:Choice Requires="am3d">
           <p:graphicFrame>
             <p:nvGraphicFramePr>
               <p:cNvPr id="8" name="Modelo 3D 7" descr="Hemisfério Cinza-Escuro">
@@ -3438,7 +3438,7 @@
             </a:graphic>
           </p:graphicFrame>
         </mc:Choice>
-        <mc:Fallback>
+        <mc:Fallback xmlns="">
           <p:pic>
             <p:nvPicPr>
               <p:cNvPr id="8" name="Modelo 3D 7" descr="Hemisfério Cinza-Escuro">
@@ -3454,7 +3454,7 @@
               <p:nvPr/>
             </p:nvPicPr>
             <p:blipFill>
-              <a:blip r:embed="rId3"/>
+              <a:blip r:embed="rId4"/>
               <a:stretch>
                 <a:fillRect/>
               </a:stretch>
@@ -3588,8 +3588,8 @@
           </a:p>
         </p:txBody>
       </p:sp>
-      <mc:AlternateContent xmlns:mc="http://schemas.openxmlformats.org/markup-compatibility/2006">
-        <mc:Choice xmlns:am3d="http://schemas.microsoft.com/office/drawing/2017/model3d" Requires="am3d">
+      <mc:AlternateContent xmlns:mc="http://schemas.openxmlformats.org/markup-compatibility/2006" xmlns:am3d="http://schemas.microsoft.com/office/drawing/2017/model3d">
+        <mc:Choice Requires="am3d">
           <p:graphicFrame>
             <p:nvGraphicFramePr>
               <p:cNvPr id="25" name="Modelo 3D 24" descr="Hemisfério Cinza-Escuro">
@@ -3644,7 +3644,7 @@
                     <am3d:postTrans dx="0" dy="0" dz="0"/>
                   </am3d:trans>
                   <am3d:raster rName="Office3DRenderer" rVer="16.0.8326">
-                    <am3d:blip r:embed="rId4"/>
+                    <am3d:blip r:embed="rId5"/>
                   </am3d:raster>
                   <am3d:objViewport viewportSz="3611788"/>
                   <am3d:ambientLight>
@@ -3679,7 +3679,7 @@
             </a:graphic>
           </p:graphicFrame>
         </mc:Choice>
-        <mc:Fallback>
+        <mc:Fallback xmlns="">
           <p:pic>
             <p:nvPicPr>
               <p:cNvPr id="25" name="Modelo 3D 24" descr="Hemisfério Cinza-Escuro">
@@ -3695,7 +3695,7 @@
               <p:nvPr/>
             </p:nvPicPr>
             <p:blipFill>
-              <a:blip r:embed="rId4"/>
+              <a:blip r:embed="rId6"/>
               <a:stretch>
                 <a:fillRect/>
               </a:stretch>
@@ -3712,8 +3712,8 @@
           </p:pic>
         </mc:Fallback>
       </mc:AlternateContent>
-      <mc:AlternateContent xmlns:mc="http://schemas.openxmlformats.org/markup-compatibility/2006">
-        <mc:Choice xmlns:am3d="http://schemas.microsoft.com/office/drawing/2017/model3d" Requires="am3d">
+      <mc:AlternateContent xmlns:mc="http://schemas.openxmlformats.org/markup-compatibility/2006" xmlns:am3d="http://schemas.microsoft.com/office/drawing/2017/model3d">
+        <mc:Choice Requires="am3d">
           <p:graphicFrame>
             <p:nvGraphicFramePr>
               <p:cNvPr id="29" name="Modelo 3D 28" descr="Hemisfério Cinza-Escuro">
@@ -3768,7 +3768,7 @@
                     <am3d:postTrans dx="0" dy="0" dz="0"/>
                   </am3d:trans>
                   <am3d:raster rName="Office3DRenderer" rVer="16.0.8326">
-                    <am3d:blip r:embed="rId4"/>
+                    <am3d:blip r:embed="rId6"/>
                   </am3d:raster>
                   <am3d:objViewport viewportSz="3611788"/>
                   <am3d:ambientLight>
@@ -3803,7 +3803,7 @@
             </a:graphic>
           </p:graphicFrame>
         </mc:Choice>
-        <mc:Fallback>
+        <mc:Fallback xmlns="">
           <p:pic>
             <p:nvPicPr>
               <p:cNvPr id="29" name="Modelo 3D 28" descr="Hemisfério Cinza-Escuro">
@@ -3819,7 +3819,7 @@
               <p:nvPr/>
             </p:nvPicPr>
             <p:blipFill>
-              <a:blip r:embed="rId4"/>
+              <a:blip r:embed="rId6"/>
               <a:stretch>
                 <a:fillRect/>
               </a:stretch>
@@ -4200,6 +4200,174 @@
               <a:rPr lang="en-GB" sz="4000" b="1" baseline="-25000" dirty="0"/>
               <a:t>B</a:t>
             </a:r>
+          </a:p>
+        </p:txBody>
+      </p:sp>
+      <mc:AlternateContent xmlns:mc="http://schemas.openxmlformats.org/markup-compatibility/2006">
+        <mc:Choice xmlns:am3d="http://schemas.microsoft.com/office/drawing/2017/model3d" Requires="am3d">
+          <p:graphicFrame>
+            <p:nvGraphicFramePr>
+              <p:cNvPr id="2" name="Modelo 3D 1" descr="Cuboide Cinza-Escuro">
+                <a:extLst>
+                  <a:ext uri="{FF2B5EF4-FFF2-40B4-BE49-F238E27FC236}">
+                    <a16:creationId xmlns:a16="http://schemas.microsoft.com/office/drawing/2014/main" id="{B7D60847-5AB9-499F-9D9A-7C0F0991E476}"/>
+                  </a:ext>
+                </a:extLst>
+              </p:cNvPr>
+              <p:cNvGraphicFramePr>
+                <a:graphicFrameLocks noChangeAspect="1"/>
+              </p:cNvGraphicFramePr>
+              <p:nvPr>
+                <p:extLst>
+                  <p:ext uri="{D42A27DB-BD31-4B8C-83A1-F6EECF244321}">
+                    <p14:modId xmlns:p14="http://schemas.microsoft.com/office/powerpoint/2010/main" val="1185942811"/>
+                  </p:ext>
+                </p:extLst>
+              </p:nvPr>
+            </p:nvGraphicFramePr>
+            <p:xfrm rot="20459994">
+              <a:off x="3563569" y="2463036"/>
+              <a:ext cx="1337815" cy="816504"/>
+            </p:xfrm>
+            <a:graphic>
+              <a:graphicData uri="http://schemas.microsoft.com/office/drawing/2017/model3d">
+                <am3d:model3d r:embed="rId7">
+                  <am3d:spPr>
+                    <a:xfrm rot="20459994">
+                      <a:off x="0" y="0"/>
+                      <a:ext cx="1337815" cy="816504"/>
+                    </a:xfrm>
+                    <a:prstGeom prst="rect">
+                      <a:avLst/>
+                    </a:prstGeom>
+                  </am3d:spPr>
+                  <am3d:camera>
+                    <am3d:pos x="0" y="0" z="57664451"/>
+                    <am3d:up dx="0" dy="36000000" dz="0"/>
+                    <am3d:lookAt x="0" y="0" z="0"/>
+                    <am3d:perspective fov="2700000"/>
+                  </am3d:camera>
+                  <am3d:trans>
+                    <am3d:meterPerModelUnit n="4361393" d="1000000"/>
+                    <am3d:preTrans dx="0" dy="-6493603" dz="0"/>
+                    <am3d:scale>
+                      <am3d:sx n="1000000" d="1000000"/>
+                      <am3d:sy n="1000000" d="1000000"/>
+                      <am3d:sz n="1000000" d="1000000"/>
+                    </am3d:scale>
+                    <am3d:rot ax="1365312" ay="-3692226" az="-1214454"/>
+                    <am3d:postTrans dx="0" dy="0" dz="0"/>
+                  </am3d:trans>
+                  <am3d:raster rName="Office3DRenderer" rVer="16.0.8326">
+                    <am3d:blip r:embed="rId8"/>
+                  </am3d:raster>
+                  <am3d:objViewport viewportSz="1442817"/>
+                  <am3d:ambientLight>
+                    <am3d:clr>
+                      <a:scrgbClr r="50000" g="50000" b="50000"/>
+                    </am3d:clr>
+                    <am3d:illuminance n="500000" d="1000000"/>
+                  </am3d:ambientLight>
+                  <am3d:ptLight rad="0">
+                    <am3d:clr>
+                      <a:scrgbClr r="100000" g="75000" b="50000"/>
+                    </am3d:clr>
+                    <am3d:intensity n="9765625" d="1000000"/>
+                    <am3d:pos x="21959998" y="70920001" z="16344003"/>
+                  </am3d:ptLight>
+                  <am3d:ptLight rad="0">
+                    <am3d:clr>
+                      <a:scrgbClr r="40000" g="60000" b="95000"/>
+                    </am3d:clr>
+                    <am3d:intensity n="12250000" d="1000000"/>
+                    <am3d:pos x="-37964106" y="51130435" z="57631972"/>
+                  </am3d:ptLight>
+                  <am3d:ptLight rad="0">
+                    <am3d:clr>
+                      <a:scrgbClr r="86837" g="72700" b="100000"/>
+                    </am3d:clr>
+                    <am3d:intensity n="3125000" d="1000000"/>
+                    <am3d:pos x="-37739122" y="58056624" z="-34769649"/>
+                  </am3d:ptLight>
+                </am3d:model3d>
+              </a:graphicData>
+            </a:graphic>
+          </p:graphicFrame>
+        </mc:Choice>
+        <mc:Fallback>
+          <p:pic>
+            <p:nvPicPr>
+              <p:cNvPr id="2" name="Modelo 3D 1" descr="Cuboide Cinza-Escuro">
+                <a:extLst>
+                  <a:ext uri="{FF2B5EF4-FFF2-40B4-BE49-F238E27FC236}">
+                    <a16:creationId xmlns:a16="http://schemas.microsoft.com/office/drawing/2014/main" id="{B7D60847-5AB9-499F-9D9A-7C0F0991E476}"/>
+                  </a:ext>
+                </a:extLst>
+              </p:cNvPr>
+              <p:cNvPicPr>
+                <a:picLocks noGrp="1" noRot="1" noChangeAspect="1" noMove="1" noResize="1" noEditPoints="1" noAdjustHandles="1" noChangeArrowheads="1" noChangeShapeType="1" noCrop="1"/>
+              </p:cNvPicPr>
+              <p:nvPr/>
+            </p:nvPicPr>
+            <p:blipFill>
+              <a:blip r:embed="rId8"/>
+              <a:stretch>
+                <a:fillRect/>
+              </a:stretch>
+            </p:blipFill>
+            <p:spPr>
+              <a:xfrm rot="20459994">
+                <a:off x="3563569" y="2463036"/>
+                <a:ext cx="1337815" cy="816504"/>
+              </a:xfrm>
+              <a:prstGeom prst="rect">
+                <a:avLst/>
+              </a:prstGeom>
+            </p:spPr>
+          </p:pic>
+        </mc:Fallback>
+      </mc:AlternateContent>
+      <p:sp>
+        <p:nvSpPr>
+          <p:cNvPr id="4" name="CaixaDeTexto 3">
+            <a:extLst>
+              <a:ext uri="{FF2B5EF4-FFF2-40B4-BE49-F238E27FC236}">
+                <a16:creationId xmlns:a16="http://schemas.microsoft.com/office/drawing/2014/main" id="{5A7AEEE7-AAF4-4DB3-8B59-C74227C814FD}"/>
+              </a:ext>
+            </a:extLst>
+          </p:cNvPr>
+          <p:cNvSpPr txBox="1"/>
+          <p:nvPr/>
+        </p:nvSpPr>
+        <p:spPr>
+          <a:xfrm>
+            <a:off x="4797985" y="2258653"/>
+            <a:ext cx="2343223" cy="707886"/>
+          </a:xfrm>
+          <a:prstGeom prst="rect">
+            <a:avLst/>
+          </a:prstGeom>
+          <a:noFill/>
+        </p:spPr>
+        <p:txBody>
+          <a:bodyPr wrap="square" rtlCol="0">
+            <a:spAutoFit/>
+          </a:bodyPr>
+          <a:lstStyle/>
+          <a:p>
+            <a:r>
+              <a:rPr lang="pt-PT" sz="4000" dirty="0"/>
+              <a:t>0,5 </a:t>
+            </a:r>
+            <a:r>
+              <a:rPr lang="pt-PT" sz="4000" dirty="0" err="1"/>
+              <a:t>T</a:t>
+            </a:r>
+            <a:r>
+              <a:rPr lang="pt-PT" sz="4000" baseline="-25000" dirty="0" err="1"/>
+              <a:t>bit</a:t>
+            </a:r>
+            <a:endParaRPr lang="en-GB" sz="4000" baseline="-25000" dirty="0"/>
           </a:p>
         </p:txBody>
       </p:sp>
